--- a/Group 44 - Data 557 - Final.pptx
+++ b/Group 44 - Data 557 - Final.pptx
@@ -5,29 +5,33 @@
     <p:sldMasterId id="2147483659" r:id="rId1"/>
   </p:sldMasterIdLst>
   <p:notesMasterIdLst>
-    <p:notesMasterId r:id="rId12"/>
+    <p:notesMasterId r:id="rId16"/>
   </p:notesMasterIdLst>
   <p:sldIdLst>
     <p:sldId id="256" r:id="rId2"/>
     <p:sldId id="257" r:id="rId3"/>
     <p:sldId id="266" r:id="rId4"/>
-    <p:sldId id="258" r:id="rId5"/>
-    <p:sldId id="259" r:id="rId6"/>
-    <p:sldId id="260" r:id="rId7"/>
-    <p:sldId id="261" r:id="rId8"/>
-    <p:sldId id="262" r:id="rId9"/>
-    <p:sldId id="265" r:id="rId10"/>
-    <p:sldId id="264" r:id="rId11"/>
+    <p:sldId id="271" r:id="rId5"/>
+    <p:sldId id="270" r:id="rId6"/>
+    <p:sldId id="258" r:id="rId7"/>
+    <p:sldId id="259" r:id="rId8"/>
+    <p:sldId id="260" r:id="rId9"/>
+    <p:sldId id="261" r:id="rId10"/>
+    <p:sldId id="262" r:id="rId11"/>
+    <p:sldId id="265" r:id="rId12"/>
+    <p:sldId id="267" r:id="rId13"/>
+    <p:sldId id="269" r:id="rId14"/>
+    <p:sldId id="264" r:id="rId15"/>
   </p:sldIdLst>
   <p:sldSz cx="9144000" cy="5143500" type="screen16x9"/>
   <p:notesSz cx="6858000" cy="9144000"/>
   <p:embeddedFontLst>
     <p:embeddedFont>
       <p:font typeface="Calibri" panose="020F0502020204030204" pitchFamily="34" charset="0"/>
-      <p:regular r:id="rId13"/>
-      <p:bold r:id="rId14"/>
-      <p:italic r:id="rId15"/>
-      <p:boldItalic r:id="rId16"/>
+      <p:regular r:id="rId17"/>
+      <p:bold r:id="rId18"/>
+      <p:italic r:id="rId19"/>
+      <p:boldItalic r:id="rId20"/>
     </p:embeddedFont>
   </p:embeddedFontLst>
   <p:defaultTextStyle>
@@ -848,6 +852,333 @@
   <p:cSld>
     <p:spTree>
       <p:nvGrpSpPr>
+        <p:cNvPr id="1" name="Shape 97"/>
+        <p:cNvGrpSpPr/>
+        <p:nvPr/>
+      </p:nvGrpSpPr>
+      <p:grpSpPr>
+        <a:xfrm>
+          <a:off x="0" y="0"/>
+          <a:ext cx="0" cy="0"/>
+          <a:chOff x="0" y="0"/>
+          <a:chExt cx="0" cy="0"/>
+        </a:xfrm>
+      </p:grpSpPr>
+      <p:sp>
+        <p:nvSpPr>
+          <p:cNvPr id="98" name="Google Shape;98;g206eb1f1d72_3_24:notes"/>
+          <p:cNvSpPr>
+            <a:spLocks noGrp="1" noRot="1" noChangeAspect="1"/>
+          </p:cNvSpPr>
+          <p:nvPr>
+            <p:ph type="sldImg" idx="2"/>
+          </p:nvPr>
+        </p:nvSpPr>
+        <p:spPr>
+          <a:xfrm>
+            <a:off x="381000" y="685800"/>
+            <a:ext cx="6096000" cy="3429000"/>
+          </a:xfrm>
+          <a:custGeom>
+            <a:avLst/>
+            <a:gdLst/>
+            <a:ahLst/>
+            <a:cxnLst/>
+            <a:rect l="l" t="t" r="r" b="b"/>
+            <a:pathLst>
+              <a:path w="120000" h="120000" extrusionOk="0">
+                <a:moveTo>
+                  <a:pt x="0" y="0"/>
+                </a:moveTo>
+                <a:lnTo>
+                  <a:pt x="120000" y="0"/>
+                </a:lnTo>
+                <a:lnTo>
+                  <a:pt x="120000" y="120000"/>
+                </a:lnTo>
+                <a:lnTo>
+                  <a:pt x="0" y="120000"/>
+                </a:lnTo>
+                <a:close/>
+              </a:path>
+            </a:pathLst>
+          </a:custGeom>
+        </p:spPr>
+      </p:sp>
+      <p:sp>
+        <p:nvSpPr>
+          <p:cNvPr id="99" name="Google Shape;99;g206eb1f1d72_3_24:notes"/>
+          <p:cNvSpPr txBox="1">
+            <a:spLocks noGrp="1"/>
+          </p:cNvSpPr>
+          <p:nvPr>
+            <p:ph type="body" idx="1"/>
+          </p:nvPr>
+        </p:nvSpPr>
+        <p:spPr>
+          <a:xfrm>
+            <a:off x="685800" y="4343400"/>
+            <a:ext cx="5486400" cy="4114800"/>
+          </a:xfrm>
+          <a:prstGeom prst="rect">
+            <a:avLst/>
+          </a:prstGeom>
+        </p:spPr>
+        <p:txBody>
+          <a:bodyPr spcFirstLastPara="1" wrap="square" lIns="91425" tIns="91425" rIns="91425" bIns="91425" anchor="t" anchorCtr="0">
+            <a:noAutofit/>
+          </a:bodyPr>
+          <a:lstStyle/>
+          <a:p>
+            <a:pPr marL="0" lvl="0" indent="0" algn="l" rtl="0">
+              <a:spcBef>
+                <a:spcPts val="0"/>
+              </a:spcBef>
+              <a:spcAft>
+                <a:spcPts val="0"/>
+              </a:spcAft>
+              <a:buNone/>
+            </a:pPr>
+            <a:endParaRPr/>
+          </a:p>
+        </p:txBody>
+      </p:sp>
+    </p:spTree>
+    <p:extLst>
+      <p:ext uri="{BB962C8B-B14F-4D97-AF65-F5344CB8AC3E}">
+        <p14:creationId xmlns:p14="http://schemas.microsoft.com/office/powerpoint/2010/main" val="1943892919"/>
+      </p:ext>
+    </p:extLst>
+  </p:cSld>
+  <p:clrMapOvr>
+    <a:masterClrMapping/>
+  </p:clrMapOvr>
+</p:notes>
+</file>
+
+<file path=ppt/notesSlides/notesSlide11.xml><?xml version="1.0" encoding="utf-8"?>
+<p:notes xmlns:a="http://schemas.openxmlformats.org/drawingml/2006/main" xmlns:r="http://schemas.openxmlformats.org/officeDocument/2006/relationships" xmlns:p="http://schemas.openxmlformats.org/presentationml/2006/main" showMasterSp="0" showMasterPhAnim="0">
+  <p:cSld>
+    <p:spTree>
+      <p:nvGrpSpPr>
+        <p:cNvPr id="1" name="Shape 97"/>
+        <p:cNvGrpSpPr/>
+        <p:nvPr/>
+      </p:nvGrpSpPr>
+      <p:grpSpPr>
+        <a:xfrm>
+          <a:off x="0" y="0"/>
+          <a:ext cx="0" cy="0"/>
+          <a:chOff x="0" y="0"/>
+          <a:chExt cx="0" cy="0"/>
+        </a:xfrm>
+      </p:grpSpPr>
+      <p:sp>
+        <p:nvSpPr>
+          <p:cNvPr id="98" name="Google Shape;98;g206eb1f1d72_3_24:notes"/>
+          <p:cNvSpPr>
+            <a:spLocks noGrp="1" noRot="1" noChangeAspect="1"/>
+          </p:cNvSpPr>
+          <p:nvPr>
+            <p:ph type="sldImg" idx="2"/>
+          </p:nvPr>
+        </p:nvSpPr>
+        <p:spPr>
+          <a:xfrm>
+            <a:off x="381000" y="685800"/>
+            <a:ext cx="6096000" cy="3429000"/>
+          </a:xfrm>
+          <a:custGeom>
+            <a:avLst/>
+            <a:gdLst/>
+            <a:ahLst/>
+            <a:cxnLst/>
+            <a:rect l="l" t="t" r="r" b="b"/>
+            <a:pathLst>
+              <a:path w="120000" h="120000" extrusionOk="0">
+                <a:moveTo>
+                  <a:pt x="0" y="0"/>
+                </a:moveTo>
+                <a:lnTo>
+                  <a:pt x="120000" y="0"/>
+                </a:lnTo>
+                <a:lnTo>
+                  <a:pt x="120000" y="120000"/>
+                </a:lnTo>
+                <a:lnTo>
+                  <a:pt x="0" y="120000"/>
+                </a:lnTo>
+                <a:close/>
+              </a:path>
+            </a:pathLst>
+          </a:custGeom>
+        </p:spPr>
+      </p:sp>
+      <p:sp>
+        <p:nvSpPr>
+          <p:cNvPr id="99" name="Google Shape;99;g206eb1f1d72_3_24:notes"/>
+          <p:cNvSpPr txBox="1">
+            <a:spLocks noGrp="1"/>
+          </p:cNvSpPr>
+          <p:nvPr>
+            <p:ph type="body" idx="1"/>
+          </p:nvPr>
+        </p:nvSpPr>
+        <p:spPr>
+          <a:xfrm>
+            <a:off x="685800" y="4343400"/>
+            <a:ext cx="5486400" cy="4114800"/>
+          </a:xfrm>
+          <a:prstGeom prst="rect">
+            <a:avLst/>
+          </a:prstGeom>
+        </p:spPr>
+        <p:txBody>
+          <a:bodyPr spcFirstLastPara="1" wrap="square" lIns="91425" tIns="91425" rIns="91425" bIns="91425" anchor="t" anchorCtr="0">
+            <a:noAutofit/>
+          </a:bodyPr>
+          <a:lstStyle/>
+          <a:p>
+            <a:pPr marL="0" lvl="0" indent="0" algn="l" rtl="0">
+              <a:spcBef>
+                <a:spcPts val="0"/>
+              </a:spcBef>
+              <a:spcAft>
+                <a:spcPts val="0"/>
+              </a:spcAft>
+              <a:buNone/>
+            </a:pPr>
+            <a:endParaRPr/>
+          </a:p>
+        </p:txBody>
+      </p:sp>
+    </p:spTree>
+    <p:extLst>
+      <p:ext uri="{BB962C8B-B14F-4D97-AF65-F5344CB8AC3E}">
+        <p14:creationId xmlns:p14="http://schemas.microsoft.com/office/powerpoint/2010/main" val="3413393603"/>
+      </p:ext>
+    </p:extLst>
+  </p:cSld>
+  <p:clrMapOvr>
+    <a:masterClrMapping/>
+  </p:clrMapOvr>
+</p:notes>
+</file>
+
+<file path=ppt/notesSlides/notesSlide12.xml><?xml version="1.0" encoding="utf-8"?>
+<p:notes xmlns:a="http://schemas.openxmlformats.org/drawingml/2006/main" xmlns:r="http://schemas.openxmlformats.org/officeDocument/2006/relationships" xmlns:p="http://schemas.openxmlformats.org/presentationml/2006/main" showMasterSp="0" showMasterPhAnim="0">
+  <p:cSld>
+    <p:spTree>
+      <p:nvGrpSpPr>
+        <p:cNvPr id="1" name="Shape 97"/>
+        <p:cNvGrpSpPr/>
+        <p:nvPr/>
+      </p:nvGrpSpPr>
+      <p:grpSpPr>
+        <a:xfrm>
+          <a:off x="0" y="0"/>
+          <a:ext cx="0" cy="0"/>
+          <a:chOff x="0" y="0"/>
+          <a:chExt cx="0" cy="0"/>
+        </a:xfrm>
+      </p:grpSpPr>
+      <p:sp>
+        <p:nvSpPr>
+          <p:cNvPr id="98" name="Google Shape;98;g206eb1f1d72_3_24:notes"/>
+          <p:cNvSpPr>
+            <a:spLocks noGrp="1" noRot="1" noChangeAspect="1"/>
+          </p:cNvSpPr>
+          <p:nvPr>
+            <p:ph type="sldImg" idx="2"/>
+          </p:nvPr>
+        </p:nvSpPr>
+        <p:spPr>
+          <a:xfrm>
+            <a:off x="381000" y="685800"/>
+            <a:ext cx="6096000" cy="3429000"/>
+          </a:xfrm>
+          <a:custGeom>
+            <a:avLst/>
+            <a:gdLst/>
+            <a:ahLst/>
+            <a:cxnLst/>
+            <a:rect l="l" t="t" r="r" b="b"/>
+            <a:pathLst>
+              <a:path w="120000" h="120000" extrusionOk="0">
+                <a:moveTo>
+                  <a:pt x="0" y="0"/>
+                </a:moveTo>
+                <a:lnTo>
+                  <a:pt x="120000" y="0"/>
+                </a:lnTo>
+                <a:lnTo>
+                  <a:pt x="120000" y="120000"/>
+                </a:lnTo>
+                <a:lnTo>
+                  <a:pt x="0" y="120000"/>
+                </a:lnTo>
+                <a:close/>
+              </a:path>
+            </a:pathLst>
+          </a:custGeom>
+        </p:spPr>
+      </p:sp>
+      <p:sp>
+        <p:nvSpPr>
+          <p:cNvPr id="99" name="Google Shape;99;g206eb1f1d72_3_24:notes"/>
+          <p:cNvSpPr txBox="1">
+            <a:spLocks noGrp="1"/>
+          </p:cNvSpPr>
+          <p:nvPr>
+            <p:ph type="body" idx="1"/>
+          </p:nvPr>
+        </p:nvSpPr>
+        <p:spPr>
+          <a:xfrm>
+            <a:off x="685800" y="4343400"/>
+            <a:ext cx="5486400" cy="4114800"/>
+          </a:xfrm>
+          <a:prstGeom prst="rect">
+            <a:avLst/>
+          </a:prstGeom>
+        </p:spPr>
+        <p:txBody>
+          <a:bodyPr spcFirstLastPara="1" wrap="square" lIns="91425" tIns="91425" rIns="91425" bIns="91425" anchor="t" anchorCtr="0">
+            <a:noAutofit/>
+          </a:bodyPr>
+          <a:lstStyle/>
+          <a:p>
+            <a:pPr marL="0" lvl="0" indent="0" algn="l" rtl="0">
+              <a:spcBef>
+                <a:spcPts val="0"/>
+              </a:spcBef>
+              <a:spcAft>
+                <a:spcPts val="0"/>
+              </a:spcAft>
+              <a:buNone/>
+            </a:pPr>
+            <a:endParaRPr/>
+          </a:p>
+        </p:txBody>
+      </p:sp>
+    </p:spTree>
+    <p:extLst>
+      <p:ext uri="{BB962C8B-B14F-4D97-AF65-F5344CB8AC3E}">
+        <p14:creationId xmlns:p14="http://schemas.microsoft.com/office/powerpoint/2010/main" val="86579706"/>
+      </p:ext>
+    </p:extLst>
+  </p:cSld>
+  <p:clrMapOvr>
+    <a:masterClrMapping/>
+  </p:clrMapOvr>
+</p:notes>
+</file>
+
+<file path=ppt/notesSlides/notesSlide13.xml><?xml version="1.0" encoding="utf-8"?>
+<p:notes xmlns:a="http://schemas.openxmlformats.org/drawingml/2006/main" xmlns:r="http://schemas.openxmlformats.org/officeDocument/2006/relationships" xmlns:p="http://schemas.openxmlformats.org/presentationml/2006/main" showMasterSp="0" showMasterPhAnim="0">
+  <p:cSld>
+    <p:spTree>
+      <p:nvGrpSpPr>
         <p:cNvPr id="1" name="Shape 103"/>
         <p:cNvGrpSpPr/>
         <p:nvPr/>
@@ -1257,6 +1588,11 @@
         </p:txBody>
       </p:sp>
     </p:spTree>
+    <p:extLst>
+      <p:ext uri="{BB962C8B-B14F-4D97-AF65-F5344CB8AC3E}">
+        <p14:creationId xmlns:p14="http://schemas.microsoft.com/office/powerpoint/2010/main" val="686246918"/>
+      </p:ext>
+    </p:extLst>
   </p:cSld>
   <p:clrMapOvr>
     <a:masterClrMapping/>
@@ -1265,6 +1601,110 @@
 </file>
 
 <file path=ppt/notesSlides/notesSlide5.xml><?xml version="1.0" encoding="utf-8"?>
+<p:notes xmlns:a="http://schemas.openxmlformats.org/drawingml/2006/main" xmlns:r="http://schemas.openxmlformats.org/officeDocument/2006/relationships" xmlns:p="http://schemas.openxmlformats.org/presentationml/2006/main" showMasterSp="0" showMasterPhAnim="0">
+  <p:cSld>
+    <p:spTree>
+      <p:nvGrpSpPr>
+        <p:cNvPr id="1" name="Shape 63"/>
+        <p:cNvGrpSpPr/>
+        <p:nvPr/>
+      </p:nvGrpSpPr>
+      <p:grpSpPr>
+        <a:xfrm>
+          <a:off x="0" y="0"/>
+          <a:ext cx="0" cy="0"/>
+          <a:chOff x="0" y="0"/>
+          <a:chExt cx="0" cy="0"/>
+        </a:xfrm>
+      </p:grpSpPr>
+      <p:sp>
+        <p:nvSpPr>
+          <p:cNvPr id="64" name="Google Shape;64;g206eb1f1d72_0_12:notes"/>
+          <p:cNvSpPr>
+            <a:spLocks noGrp="1" noRot="1" noChangeAspect="1"/>
+          </p:cNvSpPr>
+          <p:nvPr>
+            <p:ph type="sldImg" idx="2"/>
+          </p:nvPr>
+        </p:nvSpPr>
+        <p:spPr>
+          <a:xfrm>
+            <a:off x="381000" y="685800"/>
+            <a:ext cx="6096000" cy="3429000"/>
+          </a:xfrm>
+          <a:custGeom>
+            <a:avLst/>
+            <a:gdLst/>
+            <a:ahLst/>
+            <a:cxnLst/>
+            <a:rect l="l" t="t" r="r" b="b"/>
+            <a:pathLst>
+              <a:path w="120000" h="120000" extrusionOk="0">
+                <a:moveTo>
+                  <a:pt x="0" y="0"/>
+                </a:moveTo>
+                <a:lnTo>
+                  <a:pt x="120000" y="0"/>
+                </a:lnTo>
+                <a:lnTo>
+                  <a:pt x="120000" y="120000"/>
+                </a:lnTo>
+                <a:lnTo>
+                  <a:pt x="0" y="120000"/>
+                </a:lnTo>
+                <a:close/>
+              </a:path>
+            </a:pathLst>
+          </a:custGeom>
+        </p:spPr>
+      </p:sp>
+      <p:sp>
+        <p:nvSpPr>
+          <p:cNvPr id="65" name="Google Shape;65;g206eb1f1d72_0_12:notes"/>
+          <p:cNvSpPr txBox="1">
+            <a:spLocks noGrp="1"/>
+          </p:cNvSpPr>
+          <p:nvPr>
+            <p:ph type="body" idx="1"/>
+          </p:nvPr>
+        </p:nvSpPr>
+        <p:spPr>
+          <a:xfrm>
+            <a:off x="685800" y="4343400"/>
+            <a:ext cx="5486400" cy="4114800"/>
+          </a:xfrm>
+          <a:prstGeom prst="rect">
+            <a:avLst/>
+          </a:prstGeom>
+        </p:spPr>
+        <p:txBody>
+          <a:bodyPr spcFirstLastPara="1" wrap="square" lIns="91425" tIns="91425" rIns="91425" bIns="91425" anchor="t" anchorCtr="0">
+            <a:noAutofit/>
+          </a:bodyPr>
+          <a:lstStyle/>
+          <a:p>
+            <a:pPr marL="0" lvl="0" indent="0" algn="l" rtl="0">
+              <a:spcBef>
+                <a:spcPts val="0"/>
+              </a:spcBef>
+              <a:spcAft>
+                <a:spcPts val="0"/>
+              </a:spcAft>
+              <a:buNone/>
+            </a:pPr>
+            <a:endParaRPr/>
+          </a:p>
+        </p:txBody>
+      </p:sp>
+    </p:spTree>
+  </p:cSld>
+  <p:clrMapOvr>
+    <a:masterClrMapping/>
+  </p:clrMapOvr>
+</p:notes>
+</file>
+
+<file path=ppt/notesSlides/notesSlide6.xml><?xml version="1.0" encoding="utf-8"?>
 <p:notes xmlns:a="http://schemas.openxmlformats.org/drawingml/2006/main" xmlns:r="http://schemas.openxmlformats.org/officeDocument/2006/relationships" xmlns:p="http://schemas.openxmlformats.org/presentationml/2006/main" showMasterSp="0" showMasterPhAnim="0">
   <p:cSld>
     <p:spTree>
@@ -1368,7 +1808,7 @@
 </p:notes>
 </file>
 
-<file path=ppt/notesSlides/notesSlide6.xml><?xml version="1.0" encoding="utf-8"?>
+<file path=ppt/notesSlides/notesSlide7.xml><?xml version="1.0" encoding="utf-8"?>
 <p:notes xmlns:a="http://schemas.openxmlformats.org/drawingml/2006/main" xmlns:r="http://schemas.openxmlformats.org/officeDocument/2006/relationships" xmlns:p="http://schemas.openxmlformats.org/presentationml/2006/main" showMasterSp="0" showMasterPhAnim="0">
   <p:cSld>
     <p:spTree>
@@ -1472,7 +1912,7 @@
 </p:notes>
 </file>
 
-<file path=ppt/notesSlides/notesSlide7.xml><?xml version="1.0" encoding="utf-8"?>
+<file path=ppt/notesSlides/notesSlide8.xml><?xml version="1.0" encoding="utf-8"?>
 <p:notes xmlns:a="http://schemas.openxmlformats.org/drawingml/2006/main" xmlns:r="http://schemas.openxmlformats.org/officeDocument/2006/relationships" xmlns:p="http://schemas.openxmlformats.org/presentationml/2006/main" showMasterSp="0" showMasterPhAnim="0">
   <p:cSld>
     <p:spTree>
@@ -1576,7 +2016,7 @@
 </p:notes>
 </file>
 
-<file path=ppt/notesSlides/notesSlide8.xml><?xml version="1.0" encoding="utf-8"?>
+<file path=ppt/notesSlides/notesSlide9.xml><?xml version="1.0" encoding="utf-8"?>
 <p:notes xmlns:a="http://schemas.openxmlformats.org/drawingml/2006/main" xmlns:r="http://schemas.openxmlformats.org/officeDocument/2006/relationships" xmlns:p="http://schemas.openxmlformats.org/presentationml/2006/main" showMasterSp="0" showMasterPhAnim="0">
   <p:cSld>
     <p:spTree>
@@ -1673,115 +2113,6 @@
         </p:txBody>
       </p:sp>
     </p:spTree>
-  </p:cSld>
-  <p:clrMapOvr>
-    <a:masterClrMapping/>
-  </p:clrMapOvr>
-</p:notes>
-</file>
-
-<file path=ppt/notesSlides/notesSlide9.xml><?xml version="1.0" encoding="utf-8"?>
-<p:notes xmlns:a="http://schemas.openxmlformats.org/drawingml/2006/main" xmlns:r="http://schemas.openxmlformats.org/officeDocument/2006/relationships" xmlns:p="http://schemas.openxmlformats.org/presentationml/2006/main" showMasterSp="0" showMasterPhAnim="0">
-  <p:cSld>
-    <p:spTree>
-      <p:nvGrpSpPr>
-        <p:cNvPr id="1" name="Shape 97"/>
-        <p:cNvGrpSpPr/>
-        <p:nvPr/>
-      </p:nvGrpSpPr>
-      <p:grpSpPr>
-        <a:xfrm>
-          <a:off x="0" y="0"/>
-          <a:ext cx="0" cy="0"/>
-          <a:chOff x="0" y="0"/>
-          <a:chExt cx="0" cy="0"/>
-        </a:xfrm>
-      </p:grpSpPr>
-      <p:sp>
-        <p:nvSpPr>
-          <p:cNvPr id="98" name="Google Shape;98;g206eb1f1d72_3_24:notes"/>
-          <p:cNvSpPr>
-            <a:spLocks noGrp="1" noRot="1" noChangeAspect="1"/>
-          </p:cNvSpPr>
-          <p:nvPr>
-            <p:ph type="sldImg" idx="2"/>
-          </p:nvPr>
-        </p:nvSpPr>
-        <p:spPr>
-          <a:xfrm>
-            <a:off x="381000" y="685800"/>
-            <a:ext cx="6096000" cy="3429000"/>
-          </a:xfrm>
-          <a:custGeom>
-            <a:avLst/>
-            <a:gdLst/>
-            <a:ahLst/>
-            <a:cxnLst/>
-            <a:rect l="l" t="t" r="r" b="b"/>
-            <a:pathLst>
-              <a:path w="120000" h="120000" extrusionOk="0">
-                <a:moveTo>
-                  <a:pt x="0" y="0"/>
-                </a:moveTo>
-                <a:lnTo>
-                  <a:pt x="120000" y="0"/>
-                </a:lnTo>
-                <a:lnTo>
-                  <a:pt x="120000" y="120000"/>
-                </a:lnTo>
-                <a:lnTo>
-                  <a:pt x="0" y="120000"/>
-                </a:lnTo>
-                <a:close/>
-              </a:path>
-            </a:pathLst>
-          </a:custGeom>
-        </p:spPr>
-      </p:sp>
-      <p:sp>
-        <p:nvSpPr>
-          <p:cNvPr id="99" name="Google Shape;99;g206eb1f1d72_3_24:notes"/>
-          <p:cNvSpPr txBox="1">
-            <a:spLocks noGrp="1"/>
-          </p:cNvSpPr>
-          <p:nvPr>
-            <p:ph type="body" idx="1"/>
-          </p:nvPr>
-        </p:nvSpPr>
-        <p:spPr>
-          <a:xfrm>
-            <a:off x="685800" y="4343400"/>
-            <a:ext cx="5486400" cy="4114800"/>
-          </a:xfrm>
-          <a:prstGeom prst="rect">
-            <a:avLst/>
-          </a:prstGeom>
-        </p:spPr>
-        <p:txBody>
-          <a:bodyPr spcFirstLastPara="1" wrap="square" lIns="91425" tIns="91425" rIns="91425" bIns="91425" anchor="t" anchorCtr="0">
-            <a:noAutofit/>
-          </a:bodyPr>
-          <a:lstStyle/>
-          <a:p>
-            <a:pPr marL="0" lvl="0" indent="0" algn="l" rtl="0">
-              <a:spcBef>
-                <a:spcPts val="0"/>
-              </a:spcBef>
-              <a:spcAft>
-                <a:spcPts val="0"/>
-              </a:spcAft>
-              <a:buNone/>
-            </a:pPr>
-            <a:endParaRPr/>
-          </a:p>
-        </p:txBody>
-      </p:sp>
-    </p:spTree>
-    <p:extLst>
-      <p:ext uri="{BB962C8B-B14F-4D97-AF65-F5344CB8AC3E}">
-        <p14:creationId xmlns:p14="http://schemas.microsoft.com/office/powerpoint/2010/main" val="1943892919"/>
-      </p:ext>
-    </p:extLst>
   </p:cSld>
   <p:clrMapOvr>
     <a:masterClrMapping/>
@@ -7038,6 +7369,1486 @@
 </file>
 
 <file path=ppt/slides/slide10.xml><?xml version="1.0" encoding="utf-8"?>
+<p:sld xmlns:a="http://schemas.openxmlformats.org/drawingml/2006/main" xmlns:r="http://schemas.openxmlformats.org/officeDocument/2006/relationships" xmlns:p="http://schemas.openxmlformats.org/presentationml/2006/main" show="0">
+  <p:cSld>
+    <p:spTree>
+      <p:nvGrpSpPr>
+        <p:cNvPr id="1" name="Shape 93"/>
+        <p:cNvGrpSpPr/>
+        <p:nvPr/>
+      </p:nvGrpSpPr>
+      <p:grpSpPr>
+        <a:xfrm>
+          <a:off x="0" y="0"/>
+          <a:ext cx="0" cy="0"/>
+          <a:chOff x="0" y="0"/>
+          <a:chExt cx="0" cy="0"/>
+        </a:xfrm>
+      </p:grpSpPr>
+      <p:sp>
+        <p:nvSpPr>
+          <p:cNvPr id="94" name="Google Shape;94;p19"/>
+          <p:cNvSpPr txBox="1"/>
+          <p:nvPr/>
+        </p:nvSpPr>
+        <p:spPr>
+          <a:xfrm>
+            <a:off x="457200" y="126000"/>
+            <a:ext cx="7295700" cy="461700"/>
+          </a:xfrm>
+          <a:prstGeom prst="rect">
+            <a:avLst/>
+          </a:prstGeom>
+          <a:noFill/>
+          <a:ln>
+            <a:noFill/>
+          </a:ln>
+        </p:spPr>
+        <p:txBody>
+          <a:bodyPr spcFirstLastPara="1" wrap="square" lIns="91425" tIns="91425" rIns="91425" bIns="91425" anchor="t" anchorCtr="0">
+            <a:spAutoFit/>
+          </a:bodyPr>
+          <a:lstStyle/>
+          <a:p>
+            <a:pPr marL="0" lvl="0" indent="0" algn="l" rtl="0">
+              <a:spcBef>
+                <a:spcPts val="0"/>
+              </a:spcBef>
+              <a:spcAft>
+                <a:spcPts val="0"/>
+              </a:spcAft>
+              <a:buNone/>
+            </a:pPr>
+            <a:r>
+              <a:rPr lang="en" sz="1800" b="1" dirty="0">
+                <a:latin typeface="Calibri" panose="020F0502020204030204" pitchFamily="34" charset="0"/>
+                <a:ea typeface="Calibri" panose="020F0502020204030204" pitchFamily="34" charset="0"/>
+                <a:cs typeface="Calibri" panose="020F0502020204030204" pitchFamily="34" charset="0"/>
+              </a:rPr>
+              <a:t>DESCRIPTION OF THE INDICATORS</a:t>
+            </a:r>
+            <a:endParaRPr sz="1800" b="1" dirty="0">
+              <a:latin typeface="Calibri" panose="020F0502020204030204" pitchFamily="34" charset="0"/>
+              <a:ea typeface="Calibri" panose="020F0502020204030204" pitchFamily="34" charset="0"/>
+              <a:cs typeface="Calibri" panose="020F0502020204030204" pitchFamily="34" charset="0"/>
+            </a:endParaRPr>
+          </a:p>
+        </p:txBody>
+      </p:sp>
+      <p:sp>
+        <p:nvSpPr>
+          <p:cNvPr id="95" name="Google Shape;95;p19"/>
+          <p:cNvSpPr txBox="1"/>
+          <p:nvPr/>
+        </p:nvSpPr>
+        <p:spPr>
+          <a:xfrm>
+            <a:off x="457213" y="605750"/>
+            <a:ext cx="7830900" cy="1908184"/>
+          </a:xfrm>
+          <a:prstGeom prst="rect">
+            <a:avLst/>
+          </a:prstGeom>
+          <a:noFill/>
+          <a:ln>
+            <a:noFill/>
+          </a:ln>
+        </p:spPr>
+        <p:txBody>
+          <a:bodyPr spcFirstLastPara="1" wrap="square" lIns="91425" tIns="91425" rIns="91425" bIns="91425" anchor="t" anchorCtr="0">
+            <a:spAutoFit/>
+          </a:bodyPr>
+          <a:lstStyle/>
+          <a:p>
+            <a:pPr marL="419100" lvl="0" indent="-285750" algn="l" rtl="0">
+              <a:spcBef>
+                <a:spcPts val="0"/>
+              </a:spcBef>
+              <a:spcAft>
+                <a:spcPts val="0"/>
+              </a:spcAft>
+              <a:buSzPts val="1500"/>
+              <a:buFont typeface="Arial" panose="020B0604020202020204" pitchFamily="34" charset="0"/>
+              <a:buChar char="•"/>
+            </a:pPr>
+            <a:r>
+              <a:rPr lang="en" sz="1600" b="1" dirty="0">
+                <a:latin typeface="Calibri" panose="020F0502020204030204" pitchFamily="34" charset="0"/>
+                <a:ea typeface="Calibri" panose="020F0502020204030204" pitchFamily="34" charset="0"/>
+                <a:cs typeface="Calibri" panose="020F0502020204030204" pitchFamily="34" charset="0"/>
+              </a:rPr>
+              <a:t>MACD (</a:t>
+            </a:r>
+            <a:r>
+              <a:rPr lang="en" sz="1600" b="1" dirty="0">
+                <a:solidFill>
+                  <a:schemeClr val="dk1"/>
+                </a:solidFill>
+                <a:latin typeface="Calibri" panose="020F0502020204030204" pitchFamily="34" charset="0"/>
+                <a:ea typeface="Calibri" panose="020F0502020204030204" pitchFamily="34" charset="0"/>
+                <a:cs typeface="Calibri" panose="020F0502020204030204" pitchFamily="34" charset="0"/>
+              </a:rPr>
+              <a:t>Moving Average Convergence Divergence</a:t>
+            </a:r>
+            <a:r>
+              <a:rPr lang="en" sz="1600" b="1" dirty="0">
+                <a:latin typeface="Calibri" panose="020F0502020204030204" pitchFamily="34" charset="0"/>
+                <a:ea typeface="Calibri" panose="020F0502020204030204" pitchFamily="34" charset="0"/>
+                <a:cs typeface="Calibri" panose="020F0502020204030204" pitchFamily="34" charset="0"/>
+              </a:rPr>
+              <a:t>)</a:t>
+            </a:r>
+            <a:r>
+              <a:rPr lang="en" sz="1600" dirty="0">
+                <a:latin typeface="Calibri" panose="020F0502020204030204" pitchFamily="34" charset="0"/>
+                <a:ea typeface="Calibri" panose="020F0502020204030204" pitchFamily="34" charset="0"/>
+                <a:cs typeface="Calibri" panose="020F0502020204030204" pitchFamily="34" charset="0"/>
+              </a:rPr>
+              <a:t>:</a:t>
+            </a:r>
+            <a:endParaRPr sz="1600" dirty="0">
+              <a:latin typeface="Calibri" panose="020F0502020204030204" pitchFamily="34" charset="0"/>
+              <a:ea typeface="Calibri" panose="020F0502020204030204" pitchFamily="34" charset="0"/>
+              <a:cs typeface="Calibri" panose="020F0502020204030204" pitchFamily="34" charset="0"/>
+            </a:endParaRPr>
+          </a:p>
+          <a:p>
+            <a:pPr marL="889000" lvl="1" indent="-285750" algn="l" rtl="0">
+              <a:spcBef>
+                <a:spcPts val="0"/>
+              </a:spcBef>
+              <a:spcAft>
+                <a:spcPts val="0"/>
+              </a:spcAft>
+              <a:buSzPts val="1300"/>
+              <a:buFont typeface="Arial" panose="020B0604020202020204" pitchFamily="34" charset="0"/>
+              <a:buChar char="•"/>
+            </a:pPr>
+            <a:r>
+              <a:rPr lang="en" sz="1600" dirty="0">
+                <a:latin typeface="Calibri" panose="020F0502020204030204" pitchFamily="34" charset="0"/>
+                <a:ea typeface="Calibri" panose="020F0502020204030204" pitchFamily="34" charset="0"/>
+                <a:cs typeface="Calibri" panose="020F0502020204030204" pitchFamily="34" charset="0"/>
+              </a:rPr>
+              <a:t>Identify trends and potential trend reversals in stock prices.</a:t>
+            </a:r>
+            <a:endParaRPr sz="1600" dirty="0">
+              <a:latin typeface="Calibri" panose="020F0502020204030204" pitchFamily="34" charset="0"/>
+              <a:ea typeface="Calibri" panose="020F0502020204030204" pitchFamily="34" charset="0"/>
+              <a:cs typeface="Calibri" panose="020F0502020204030204" pitchFamily="34" charset="0"/>
+            </a:endParaRPr>
+          </a:p>
+          <a:p>
+            <a:pPr marL="889000" lvl="1" indent="-285750" algn="l" rtl="0">
+              <a:spcBef>
+                <a:spcPts val="0"/>
+              </a:spcBef>
+              <a:spcAft>
+                <a:spcPts val="0"/>
+              </a:spcAft>
+              <a:buSzPts val="1300"/>
+              <a:buFont typeface="Arial" panose="020B0604020202020204" pitchFamily="34" charset="0"/>
+              <a:buChar char="•"/>
+            </a:pPr>
+            <a:r>
+              <a:rPr lang="en" sz="1600" dirty="0">
+                <a:latin typeface="Calibri" panose="020F0502020204030204" pitchFamily="34" charset="0"/>
+                <a:ea typeface="Calibri" panose="020F0502020204030204" pitchFamily="34" charset="0"/>
+                <a:cs typeface="Calibri" panose="020F0502020204030204" pitchFamily="34" charset="0"/>
+              </a:rPr>
+              <a:t>Calculated using two moving averages and a histogram.</a:t>
+            </a:r>
+            <a:endParaRPr sz="1600" dirty="0">
+              <a:latin typeface="Calibri" panose="020F0502020204030204" pitchFamily="34" charset="0"/>
+              <a:ea typeface="Calibri" panose="020F0502020204030204" pitchFamily="34" charset="0"/>
+              <a:cs typeface="Calibri" panose="020F0502020204030204" pitchFamily="34" charset="0"/>
+            </a:endParaRPr>
+          </a:p>
+          <a:p>
+            <a:pPr marL="889000" lvl="1" indent="-285750" algn="l" rtl="0">
+              <a:spcBef>
+                <a:spcPts val="0"/>
+              </a:spcBef>
+              <a:spcAft>
+                <a:spcPts val="0"/>
+              </a:spcAft>
+              <a:buSzPts val="1300"/>
+              <a:buFont typeface="Arial" panose="020B0604020202020204" pitchFamily="34" charset="0"/>
+              <a:buChar char="•"/>
+            </a:pPr>
+            <a:r>
+              <a:rPr lang="en" sz="1600" dirty="0">
+                <a:latin typeface="Calibri" panose="020F0502020204030204" pitchFamily="34" charset="0"/>
+                <a:ea typeface="Calibri" panose="020F0502020204030204" pitchFamily="34" charset="0"/>
+                <a:cs typeface="Calibri" panose="020F0502020204030204" pitchFamily="34" charset="0"/>
+              </a:rPr>
+              <a:t>A </a:t>
+            </a:r>
+            <a:r>
+              <a:rPr lang="en" sz="1600" b="1" dirty="0">
+                <a:latin typeface="Calibri" panose="020F0502020204030204" pitchFamily="34" charset="0"/>
+                <a:ea typeface="Calibri" panose="020F0502020204030204" pitchFamily="34" charset="0"/>
+                <a:cs typeface="Calibri" panose="020F0502020204030204" pitchFamily="34" charset="0"/>
+              </a:rPr>
+              <a:t>positive</a:t>
+            </a:r>
+            <a:r>
+              <a:rPr lang="en" sz="1600" dirty="0">
+                <a:latin typeface="Calibri" panose="020F0502020204030204" pitchFamily="34" charset="0"/>
+                <a:ea typeface="Calibri" panose="020F0502020204030204" pitchFamily="34" charset="0"/>
+                <a:cs typeface="Calibri" panose="020F0502020204030204" pitchFamily="34" charset="0"/>
+              </a:rPr>
+              <a:t> histogram indicates that the MACD Line is above the Signal Line, indicating </a:t>
+            </a:r>
+            <a:r>
+              <a:rPr lang="en" sz="1600" b="1" dirty="0">
+                <a:latin typeface="Calibri" panose="020F0502020204030204" pitchFamily="34" charset="0"/>
+                <a:ea typeface="Calibri" panose="020F0502020204030204" pitchFamily="34" charset="0"/>
+                <a:cs typeface="Calibri" panose="020F0502020204030204" pitchFamily="34" charset="0"/>
+              </a:rPr>
+              <a:t>upward</a:t>
+            </a:r>
+            <a:r>
+              <a:rPr lang="en" sz="1600" dirty="0">
+                <a:latin typeface="Calibri" panose="020F0502020204030204" pitchFamily="34" charset="0"/>
+                <a:ea typeface="Calibri" panose="020F0502020204030204" pitchFamily="34" charset="0"/>
+                <a:cs typeface="Calibri" panose="020F0502020204030204" pitchFamily="34" charset="0"/>
+              </a:rPr>
+              <a:t> momentum, while a </a:t>
+            </a:r>
+            <a:r>
+              <a:rPr lang="en" sz="1600" b="1" dirty="0">
+                <a:latin typeface="Calibri" panose="020F0502020204030204" pitchFamily="34" charset="0"/>
+                <a:ea typeface="Calibri" panose="020F0502020204030204" pitchFamily="34" charset="0"/>
+                <a:cs typeface="Calibri" panose="020F0502020204030204" pitchFamily="34" charset="0"/>
+              </a:rPr>
+              <a:t>negative</a:t>
+            </a:r>
+            <a:r>
+              <a:rPr lang="en" sz="1600" dirty="0">
+                <a:latin typeface="Calibri" panose="020F0502020204030204" pitchFamily="34" charset="0"/>
+                <a:ea typeface="Calibri" panose="020F0502020204030204" pitchFamily="34" charset="0"/>
+                <a:cs typeface="Calibri" panose="020F0502020204030204" pitchFamily="34" charset="0"/>
+              </a:rPr>
+              <a:t> histogram indicates </a:t>
+            </a:r>
+            <a:r>
+              <a:rPr lang="en" sz="1600" b="1" dirty="0">
+                <a:latin typeface="Calibri" panose="020F0502020204030204" pitchFamily="34" charset="0"/>
+                <a:ea typeface="Calibri" panose="020F0502020204030204" pitchFamily="34" charset="0"/>
+                <a:cs typeface="Calibri" panose="020F0502020204030204" pitchFamily="34" charset="0"/>
+              </a:rPr>
+              <a:t>downward</a:t>
+            </a:r>
+            <a:r>
+              <a:rPr lang="en" sz="1600" dirty="0">
+                <a:latin typeface="Calibri" panose="020F0502020204030204" pitchFamily="34" charset="0"/>
+                <a:ea typeface="Calibri" panose="020F0502020204030204" pitchFamily="34" charset="0"/>
+                <a:cs typeface="Calibri" panose="020F0502020204030204" pitchFamily="34" charset="0"/>
+              </a:rPr>
+              <a:t> momentum.</a:t>
+            </a:r>
+          </a:p>
+          <a:p>
+            <a:pPr marL="889000" lvl="1" indent="-285750" algn="l" rtl="0">
+              <a:spcBef>
+                <a:spcPts val="0"/>
+              </a:spcBef>
+              <a:spcAft>
+                <a:spcPts val="0"/>
+              </a:spcAft>
+              <a:buSzPts val="1300"/>
+              <a:buFont typeface="Arial" panose="020B0604020202020204" pitchFamily="34" charset="0"/>
+              <a:buChar char="•"/>
+            </a:pPr>
+            <a:r>
+              <a:rPr lang="en" sz="1600" dirty="0">
+                <a:latin typeface="Calibri" panose="020F0502020204030204" pitchFamily="34" charset="0"/>
+                <a:ea typeface="Calibri" panose="020F0502020204030204" pitchFamily="34" charset="0"/>
+                <a:cs typeface="Calibri" panose="020F0502020204030204" pitchFamily="34" charset="0"/>
+              </a:rPr>
+              <a:t>A</a:t>
+            </a:r>
+            <a:r>
+              <a:rPr lang="en-IN" sz="1600" dirty="0">
+                <a:latin typeface="Calibri" panose="020F0502020204030204" pitchFamily="34" charset="0"/>
+                <a:ea typeface="Calibri" panose="020F0502020204030204" pitchFamily="34" charset="0"/>
+                <a:cs typeface="Calibri" panose="020F0502020204030204" pitchFamily="34" charset="0"/>
+              </a:rPr>
+              <a:t>n</a:t>
+            </a:r>
+            <a:r>
+              <a:rPr lang="en" sz="1600" dirty="0">
+                <a:latin typeface="Calibri" panose="020F0502020204030204" pitchFamily="34" charset="0"/>
+                <a:ea typeface="Calibri" panose="020F0502020204030204" pitchFamily="34" charset="0"/>
+                <a:cs typeface="Calibri" panose="020F0502020204030204" pitchFamily="34" charset="0"/>
+              </a:rPr>
+              <a:t>alyze golden cross and death cross and if their impact is overrated. </a:t>
+            </a:r>
+            <a:endParaRPr sz="1600" dirty="0">
+              <a:latin typeface="Calibri" panose="020F0502020204030204" pitchFamily="34" charset="0"/>
+              <a:ea typeface="Calibri" panose="020F0502020204030204" pitchFamily="34" charset="0"/>
+              <a:cs typeface="Calibri" panose="020F0502020204030204" pitchFamily="34" charset="0"/>
+            </a:endParaRPr>
+          </a:p>
+        </p:txBody>
+      </p:sp>
+      <p:pic>
+        <p:nvPicPr>
+          <p:cNvPr id="96" name="Google Shape;96;p19"/>
+          <p:cNvPicPr preferRelativeResize="0"/>
+          <p:nvPr/>
+        </p:nvPicPr>
+        <p:blipFill>
+          <a:blip r:embed="rId3">
+            <a:alphaModFix/>
+          </a:blip>
+          <a:stretch>
+            <a:fillRect/>
+          </a:stretch>
+        </p:blipFill>
+        <p:spPr>
+          <a:xfrm>
+            <a:off x="1938140" y="2729023"/>
+            <a:ext cx="4972211" cy="2099976"/>
+          </a:xfrm>
+          <a:prstGeom prst="rect">
+            <a:avLst/>
+          </a:prstGeom>
+          <a:noFill/>
+          <a:ln>
+            <a:noFill/>
+          </a:ln>
+        </p:spPr>
+      </p:pic>
+      <p:sp>
+        <p:nvSpPr>
+          <p:cNvPr id="2" name="Slide Number Placeholder 1">
+            <a:extLst>
+              <a:ext uri="{FF2B5EF4-FFF2-40B4-BE49-F238E27FC236}">
+                <a16:creationId xmlns:a16="http://schemas.microsoft.com/office/drawing/2014/main" id="{A95E032B-DDE3-5BF6-A593-55B059F70614}"/>
+              </a:ext>
+            </a:extLst>
+          </p:cNvPr>
+          <p:cNvSpPr>
+            <a:spLocks noGrp="1"/>
+          </p:cNvSpPr>
+          <p:nvPr>
+            <p:ph type="sldNum" idx="12"/>
+          </p:nvPr>
+        </p:nvSpPr>
+        <p:spPr/>
+        <p:txBody>
+          <a:bodyPr/>
+          <a:lstStyle/>
+          <a:p>
+            <a:pPr marL="0" lvl="0" indent="0" algn="r" rtl="0">
+              <a:spcBef>
+                <a:spcPts val="0"/>
+              </a:spcBef>
+              <a:spcAft>
+                <a:spcPts val="0"/>
+              </a:spcAft>
+              <a:buNone/>
+            </a:pPr>
+            <a:fld id="{00000000-1234-1234-1234-123412341234}" type="slidenum">
+              <a:rPr lang="en" smtClean="0"/>
+              <a:t>10</a:t>
+            </a:fld>
+            <a:endParaRPr lang="en"/>
+          </a:p>
+        </p:txBody>
+      </p:sp>
+    </p:spTree>
+  </p:cSld>
+  <p:clrMapOvr>
+    <a:masterClrMapping/>
+  </p:clrMapOvr>
+</p:sld>
+</file>
+
+<file path=ppt/slides/slide11.xml><?xml version="1.0" encoding="utf-8"?>
+<p:sld xmlns:a="http://schemas.openxmlformats.org/drawingml/2006/main" xmlns:r="http://schemas.openxmlformats.org/officeDocument/2006/relationships" xmlns:p="http://schemas.openxmlformats.org/presentationml/2006/main">
+  <p:cSld>
+    <p:spTree>
+      <p:nvGrpSpPr>
+        <p:cNvPr id="1" name="Shape 100"/>
+        <p:cNvGrpSpPr/>
+        <p:nvPr/>
+      </p:nvGrpSpPr>
+      <p:grpSpPr>
+        <a:xfrm>
+          <a:off x="0" y="0"/>
+          <a:ext cx="0" cy="0"/>
+          <a:chOff x="0" y="0"/>
+          <a:chExt cx="0" cy="0"/>
+        </a:xfrm>
+      </p:grpSpPr>
+      <p:sp>
+        <p:nvSpPr>
+          <p:cNvPr id="101" name="Google Shape;101;p20"/>
+          <p:cNvSpPr txBox="1">
+            <a:spLocks noGrp="1"/>
+          </p:cNvSpPr>
+          <p:nvPr>
+            <p:ph type="title"/>
+          </p:nvPr>
+        </p:nvSpPr>
+        <p:spPr>
+          <a:xfrm>
+            <a:off x="311700" y="86683"/>
+            <a:ext cx="8520600" cy="572700"/>
+          </a:xfrm>
+          <a:prstGeom prst="rect">
+            <a:avLst/>
+          </a:prstGeom>
+        </p:spPr>
+        <p:txBody>
+          <a:bodyPr spcFirstLastPara="1" wrap="square" lIns="91425" tIns="91425" rIns="91425" bIns="91425" anchor="t" anchorCtr="0">
+            <a:noAutofit/>
+          </a:bodyPr>
+          <a:lstStyle/>
+          <a:p>
+            <a:pPr marL="0" lvl="0" indent="0" algn="l" rtl="0">
+              <a:spcBef>
+                <a:spcPts val="0"/>
+              </a:spcBef>
+              <a:spcAft>
+                <a:spcPts val="0"/>
+              </a:spcAft>
+              <a:buNone/>
+            </a:pPr>
+            <a:r>
+              <a:rPr lang="en" sz="1800" b="1" dirty="0">
+                <a:latin typeface="Calibri" panose="020F0502020204030204" pitchFamily="34" charset="0"/>
+                <a:ea typeface="Calibri" panose="020F0502020204030204" pitchFamily="34" charset="0"/>
+                <a:cs typeface="Calibri" panose="020F0502020204030204" pitchFamily="34" charset="0"/>
+              </a:rPr>
+              <a:t>Question 1: </a:t>
+            </a:r>
+            <a:br>
+              <a:rPr lang="en" sz="1800" b="1" dirty="0">
+                <a:latin typeface="Calibri" panose="020F0502020204030204" pitchFamily="34" charset="0"/>
+                <a:ea typeface="Calibri" panose="020F0502020204030204" pitchFamily="34" charset="0"/>
+                <a:cs typeface="Calibri" panose="020F0502020204030204" pitchFamily="34" charset="0"/>
+              </a:rPr>
+            </a:br>
+            <a:r>
+              <a:rPr lang="en-US" sz="1800" b="1" dirty="0">
+                <a:latin typeface="Calibri" panose="020F0502020204030204" pitchFamily="34" charset="0"/>
+                <a:ea typeface="Calibri" panose="020F0502020204030204" pitchFamily="34" charset="0"/>
+                <a:cs typeface="Calibri" panose="020F0502020204030204" pitchFamily="34" charset="0"/>
+              </a:rPr>
+              <a:t>Are prominent market indicators reliable as to when one should buy or sell shares?</a:t>
+            </a:r>
+            <a:endParaRPr sz="1800" b="1" dirty="0">
+              <a:latin typeface="Calibri" panose="020F0502020204030204" pitchFamily="34" charset="0"/>
+              <a:ea typeface="Calibri" panose="020F0502020204030204" pitchFamily="34" charset="0"/>
+              <a:cs typeface="Calibri" panose="020F0502020204030204" pitchFamily="34" charset="0"/>
+            </a:endParaRPr>
+          </a:p>
+        </p:txBody>
+      </p:sp>
+      <p:sp>
+        <p:nvSpPr>
+          <p:cNvPr id="2" name="Slide Number Placeholder 1">
+            <a:extLst>
+              <a:ext uri="{FF2B5EF4-FFF2-40B4-BE49-F238E27FC236}">
+                <a16:creationId xmlns:a16="http://schemas.microsoft.com/office/drawing/2014/main" id="{555257E2-FDDB-71A8-1C52-B43F0D4DDF9A}"/>
+              </a:ext>
+            </a:extLst>
+          </p:cNvPr>
+          <p:cNvSpPr>
+            <a:spLocks noGrp="1"/>
+          </p:cNvSpPr>
+          <p:nvPr>
+            <p:ph type="sldNum" idx="12"/>
+          </p:nvPr>
+        </p:nvSpPr>
+        <p:spPr/>
+        <p:txBody>
+          <a:bodyPr/>
+          <a:lstStyle/>
+          <a:p>
+            <a:pPr marL="0" lvl="0" indent="0" algn="r" rtl="0">
+              <a:spcBef>
+                <a:spcPts val="0"/>
+              </a:spcBef>
+              <a:spcAft>
+                <a:spcPts val="0"/>
+              </a:spcAft>
+              <a:buNone/>
+            </a:pPr>
+            <a:fld id="{00000000-1234-1234-1234-123412341234}" type="slidenum">
+              <a:rPr lang="en" smtClean="0"/>
+              <a:t>11</a:t>
+            </a:fld>
+            <a:endParaRPr lang="en"/>
+          </a:p>
+        </p:txBody>
+      </p:sp>
+    </p:spTree>
+    <p:extLst>
+      <p:ext uri="{BB962C8B-B14F-4D97-AF65-F5344CB8AC3E}">
+        <p14:creationId xmlns:p14="http://schemas.microsoft.com/office/powerpoint/2010/main" val="528789770"/>
+      </p:ext>
+    </p:extLst>
+  </p:cSld>
+  <p:clrMapOvr>
+    <a:masterClrMapping/>
+  </p:clrMapOvr>
+</p:sld>
+</file>
+
+<file path=ppt/slides/slide12.xml><?xml version="1.0" encoding="utf-8"?>
+<p:sld xmlns:a="http://schemas.openxmlformats.org/drawingml/2006/main" xmlns:r="http://schemas.openxmlformats.org/officeDocument/2006/relationships" xmlns:p="http://schemas.openxmlformats.org/presentationml/2006/main">
+  <p:cSld>
+    <p:spTree>
+      <p:nvGrpSpPr>
+        <p:cNvPr id="1" name="Shape 100"/>
+        <p:cNvGrpSpPr/>
+        <p:nvPr/>
+      </p:nvGrpSpPr>
+      <p:grpSpPr>
+        <a:xfrm>
+          <a:off x="0" y="0"/>
+          <a:ext cx="0" cy="0"/>
+          <a:chOff x="0" y="0"/>
+          <a:chExt cx="0" cy="0"/>
+        </a:xfrm>
+      </p:grpSpPr>
+      <p:sp>
+        <p:nvSpPr>
+          <p:cNvPr id="101" name="Google Shape;101;p20"/>
+          <p:cNvSpPr txBox="1">
+            <a:spLocks noGrp="1"/>
+          </p:cNvSpPr>
+          <p:nvPr>
+            <p:ph type="title"/>
+          </p:nvPr>
+        </p:nvSpPr>
+        <p:spPr>
+          <a:xfrm>
+            <a:off x="311700" y="86683"/>
+            <a:ext cx="8520600" cy="572700"/>
+          </a:xfrm>
+          <a:prstGeom prst="rect">
+            <a:avLst/>
+          </a:prstGeom>
+        </p:spPr>
+        <p:txBody>
+          <a:bodyPr spcFirstLastPara="1" wrap="square" lIns="91425" tIns="91425" rIns="91425" bIns="91425" anchor="t" anchorCtr="0">
+            <a:noAutofit/>
+          </a:bodyPr>
+          <a:lstStyle/>
+          <a:p>
+            <a:pPr marL="0" lvl="0" indent="0" algn="l" rtl="0">
+              <a:spcBef>
+                <a:spcPts val="0"/>
+              </a:spcBef>
+              <a:spcAft>
+                <a:spcPts val="0"/>
+              </a:spcAft>
+              <a:buNone/>
+            </a:pPr>
+            <a:r>
+              <a:rPr lang="en" sz="1800" b="1" dirty="0">
+                <a:latin typeface="Calibri" panose="020F0502020204030204" pitchFamily="34" charset="0"/>
+                <a:ea typeface="Calibri" panose="020F0502020204030204" pitchFamily="34" charset="0"/>
+                <a:cs typeface="Calibri" panose="020F0502020204030204" pitchFamily="34" charset="0"/>
+              </a:rPr>
+              <a:t>Question 2: Index vs Individual Stocks</a:t>
+            </a:r>
+            <a:endParaRPr lang="en-US" sz="1800" b="1" dirty="0">
+              <a:latin typeface="Calibri" panose="020F0502020204030204" pitchFamily="34" charset="0"/>
+              <a:ea typeface="Calibri" panose="020F0502020204030204" pitchFamily="34" charset="0"/>
+              <a:cs typeface="Calibri" panose="020F0502020204030204" pitchFamily="34" charset="0"/>
+            </a:endParaRPr>
+          </a:p>
+        </p:txBody>
+      </p:sp>
+      <p:sp>
+        <p:nvSpPr>
+          <p:cNvPr id="2" name="Slide Number Placeholder 1">
+            <a:extLst>
+              <a:ext uri="{FF2B5EF4-FFF2-40B4-BE49-F238E27FC236}">
+                <a16:creationId xmlns:a16="http://schemas.microsoft.com/office/drawing/2014/main" id="{555257E2-FDDB-71A8-1C52-B43F0D4DDF9A}"/>
+              </a:ext>
+            </a:extLst>
+          </p:cNvPr>
+          <p:cNvSpPr>
+            <a:spLocks noGrp="1"/>
+          </p:cNvSpPr>
+          <p:nvPr>
+            <p:ph type="sldNum" idx="12"/>
+          </p:nvPr>
+        </p:nvSpPr>
+        <p:spPr/>
+        <p:txBody>
+          <a:bodyPr/>
+          <a:lstStyle/>
+          <a:p>
+            <a:pPr marL="0" lvl="0" indent="0" algn="r" rtl="0">
+              <a:spcBef>
+                <a:spcPts val="0"/>
+              </a:spcBef>
+              <a:spcAft>
+                <a:spcPts val="0"/>
+              </a:spcAft>
+              <a:buNone/>
+            </a:pPr>
+            <a:fld id="{00000000-1234-1234-1234-123412341234}" type="slidenum">
+              <a:rPr lang="en" smtClean="0"/>
+              <a:t>12</a:t>
+            </a:fld>
+            <a:endParaRPr lang="en"/>
+          </a:p>
+        </p:txBody>
+      </p:sp>
+      <p:sp>
+        <p:nvSpPr>
+          <p:cNvPr id="5" name="Google Shape;88;p18">
+            <a:extLst>
+              <a:ext uri="{FF2B5EF4-FFF2-40B4-BE49-F238E27FC236}">
+                <a16:creationId xmlns:a16="http://schemas.microsoft.com/office/drawing/2014/main" id="{47CE6EB1-DCAD-140F-A405-5A7DDE85A3A1}"/>
+              </a:ext>
+            </a:extLst>
+          </p:cNvPr>
+          <p:cNvSpPr txBox="1"/>
+          <p:nvPr/>
+        </p:nvSpPr>
+        <p:spPr>
+          <a:xfrm>
+            <a:off x="203359" y="659383"/>
+            <a:ext cx="7830900" cy="3631733"/>
+          </a:xfrm>
+          <a:prstGeom prst="rect">
+            <a:avLst/>
+          </a:prstGeom>
+          <a:noFill/>
+          <a:ln>
+            <a:noFill/>
+          </a:ln>
+        </p:spPr>
+        <p:txBody>
+          <a:bodyPr spcFirstLastPara="1" wrap="square" lIns="91425" tIns="91425" rIns="91425" bIns="91425" anchor="t" anchorCtr="0">
+            <a:spAutoFit/>
+          </a:bodyPr>
+          <a:lstStyle/>
+          <a:p>
+            <a:pPr marL="133350" lvl="0" algn="l" rtl="0">
+              <a:spcBef>
+                <a:spcPts val="0"/>
+              </a:spcBef>
+              <a:spcAft>
+                <a:spcPts val="0"/>
+              </a:spcAft>
+              <a:buSzPts val="1500"/>
+            </a:pPr>
+            <a:r>
+              <a:rPr lang="en-US" sz="1600" b="0" i="0" u="none" strike="noStrike" dirty="0">
+                <a:solidFill>
+                  <a:srgbClr val="000000"/>
+                </a:solidFill>
+                <a:effectLst/>
+                <a:latin typeface="Calibri" panose="020F0502020204030204" pitchFamily="34" charset="0"/>
+              </a:rPr>
+              <a:t>Is it a better strategy to buy and hold an index compared to buying individual shares?</a:t>
+            </a:r>
+            <a:endParaRPr lang="en-IN" sz="1600" b="1" i="0" u="none" strike="noStrike" dirty="0">
+              <a:solidFill>
+                <a:srgbClr val="000000"/>
+              </a:solidFill>
+              <a:effectLst/>
+              <a:latin typeface="Calibri" panose="020F0502020204030204" pitchFamily="34" charset="0"/>
+              <a:cs typeface="Calibri" panose="020F0502020204030204" pitchFamily="34" charset="0"/>
+            </a:endParaRPr>
+          </a:p>
+          <a:p>
+            <a:pPr marL="133350" lvl="0" algn="l" rtl="0">
+              <a:spcBef>
+                <a:spcPts val="0"/>
+              </a:spcBef>
+              <a:spcAft>
+                <a:spcPts val="0"/>
+              </a:spcAft>
+              <a:buSzPts val="1500"/>
+            </a:pPr>
+            <a:endParaRPr lang="en-IN" sz="1600" b="1" dirty="0">
+              <a:latin typeface="Calibri" panose="020F0502020204030204" pitchFamily="34" charset="0"/>
+              <a:ea typeface="Calibri" panose="020F0502020204030204" pitchFamily="34" charset="0"/>
+              <a:cs typeface="Calibri" panose="020F0502020204030204" pitchFamily="34" charset="0"/>
+            </a:endParaRPr>
+          </a:p>
+          <a:p>
+            <a:pPr marL="133350" lvl="0" algn="l" rtl="0">
+              <a:spcBef>
+                <a:spcPts val="0"/>
+              </a:spcBef>
+              <a:spcAft>
+                <a:spcPts val="0"/>
+              </a:spcAft>
+              <a:buSzPts val="1500"/>
+            </a:pPr>
+            <a:r>
+              <a:rPr lang="en-IN" sz="1600" b="1" dirty="0">
+                <a:latin typeface="Calibri" panose="020F0502020204030204" pitchFamily="34" charset="0"/>
+                <a:ea typeface="Calibri" panose="020F0502020204030204" pitchFamily="34" charset="0"/>
+                <a:cs typeface="Calibri" panose="020F0502020204030204" pitchFamily="34" charset="0"/>
+              </a:rPr>
+              <a:t>Background:</a:t>
+            </a:r>
+          </a:p>
+          <a:p>
+            <a:pPr marL="133350" lvl="0" algn="l" rtl="0">
+              <a:spcBef>
+                <a:spcPts val="0"/>
+              </a:spcBef>
+              <a:spcAft>
+                <a:spcPts val="0"/>
+              </a:spcAft>
+              <a:buSzPts val="1500"/>
+            </a:pPr>
+            <a:r>
+              <a:rPr lang="en-IN" sz="1600" dirty="0">
+                <a:latin typeface="Calibri" panose="020F0502020204030204" pitchFamily="34" charset="0"/>
+                <a:ea typeface="Calibri" panose="020F0502020204030204" pitchFamily="34" charset="0"/>
+                <a:cs typeface="Calibri" panose="020F0502020204030204" pitchFamily="34" charset="0"/>
+              </a:rPr>
+              <a:t>We compare top performing individual stocks with the Nifty50 index.</a:t>
+            </a:r>
+          </a:p>
+          <a:p>
+            <a:pPr marL="133350" lvl="0" algn="l" rtl="0">
+              <a:spcBef>
+                <a:spcPts val="0"/>
+              </a:spcBef>
+              <a:spcAft>
+                <a:spcPts val="0"/>
+              </a:spcAft>
+              <a:buSzPts val="1500"/>
+            </a:pPr>
+            <a:r>
+              <a:rPr lang="en-IN" sz="1600" dirty="0">
+                <a:latin typeface="Calibri" panose="020F0502020204030204" pitchFamily="34" charset="0"/>
+                <a:ea typeface="Calibri" panose="020F0502020204030204" pitchFamily="34" charset="0"/>
+                <a:cs typeface="Calibri" panose="020F0502020204030204" pitchFamily="34" charset="0"/>
+              </a:rPr>
+              <a:t>The metric for comparison is the 30 day rolling returns.</a:t>
+            </a:r>
+          </a:p>
+          <a:p>
+            <a:pPr marL="133350" lvl="0" algn="l" rtl="0">
+              <a:spcBef>
+                <a:spcPts val="0"/>
+              </a:spcBef>
+              <a:spcAft>
+                <a:spcPts val="0"/>
+              </a:spcAft>
+              <a:buSzPts val="1500"/>
+            </a:pPr>
+            <a:endParaRPr lang="en-IN" sz="1600" dirty="0">
+              <a:latin typeface="Calibri" panose="020F0502020204030204" pitchFamily="34" charset="0"/>
+              <a:ea typeface="Calibri" panose="020F0502020204030204" pitchFamily="34" charset="0"/>
+              <a:cs typeface="Calibri" panose="020F0502020204030204" pitchFamily="34" charset="0"/>
+            </a:endParaRPr>
+          </a:p>
+          <a:p>
+            <a:pPr marL="133350" lvl="0" algn="l" rtl="0">
+              <a:spcBef>
+                <a:spcPts val="0"/>
+              </a:spcBef>
+              <a:spcAft>
+                <a:spcPts val="0"/>
+              </a:spcAft>
+              <a:buSzPts val="1500"/>
+            </a:pPr>
+            <a:r>
+              <a:rPr lang="en-IN" sz="1600" b="1" dirty="0">
+                <a:latin typeface="Calibri" panose="020F0502020204030204" pitchFamily="34" charset="0"/>
+                <a:ea typeface="Calibri" panose="020F0502020204030204" pitchFamily="34" charset="0"/>
+                <a:cs typeface="Calibri" panose="020F0502020204030204" pitchFamily="34" charset="0"/>
+              </a:rPr>
+              <a:t>Assumptions</a:t>
+            </a:r>
+            <a:r>
+              <a:rPr lang="en" sz="1600" b="1" dirty="0">
+                <a:latin typeface="Calibri" panose="020F0502020204030204" pitchFamily="34" charset="0"/>
+                <a:ea typeface="Calibri" panose="020F0502020204030204" pitchFamily="34" charset="0"/>
+                <a:cs typeface="Calibri" panose="020F0502020204030204" pitchFamily="34" charset="0"/>
+              </a:rPr>
+              <a:t>:</a:t>
+            </a:r>
+          </a:p>
+          <a:p>
+            <a:pPr marL="476250" lvl="0" indent="-342900" algn="l" rtl="0">
+              <a:spcBef>
+                <a:spcPts val="0"/>
+              </a:spcBef>
+              <a:spcAft>
+                <a:spcPts val="0"/>
+              </a:spcAft>
+              <a:buSzPts val="1500"/>
+              <a:buFont typeface="+mj-lt"/>
+              <a:buAutoNum type="arabicPeriod"/>
+            </a:pPr>
+            <a:r>
+              <a:rPr lang="en-US" sz="1600" dirty="0">
+                <a:latin typeface="Calibri" panose="020F0502020204030204" pitchFamily="34" charset="0"/>
+                <a:ea typeface="Calibri" panose="020F0502020204030204" pitchFamily="34" charset="0"/>
+                <a:cs typeface="Calibri" panose="020F0502020204030204" pitchFamily="34" charset="0"/>
+              </a:rPr>
+              <a:t>The returns of the stock(s) and the Index are normally distributed.</a:t>
+            </a:r>
+          </a:p>
+          <a:p>
+            <a:pPr marL="476250" lvl="0" indent="-342900" algn="l" rtl="0">
+              <a:spcBef>
+                <a:spcPts val="0"/>
+              </a:spcBef>
+              <a:spcAft>
+                <a:spcPts val="0"/>
+              </a:spcAft>
+              <a:buSzPts val="1500"/>
+              <a:buFont typeface="+mj-lt"/>
+              <a:buAutoNum type="arabicPeriod"/>
+            </a:pPr>
+            <a:r>
+              <a:rPr lang="en-US" sz="1600" dirty="0">
+                <a:latin typeface="Calibri" panose="020F0502020204030204" pitchFamily="34" charset="0"/>
+                <a:ea typeface="Calibri" panose="020F0502020204030204" pitchFamily="34" charset="0"/>
+                <a:cs typeface="Calibri" panose="020F0502020204030204" pitchFamily="34" charset="0"/>
+              </a:rPr>
+              <a:t>The returns of the stock(s) and the Index have unequal variances [].</a:t>
+            </a:r>
+          </a:p>
+          <a:p>
+            <a:pPr marL="476250" lvl="0" indent="-342900" algn="l" rtl="0">
+              <a:spcBef>
+                <a:spcPts val="0"/>
+              </a:spcBef>
+              <a:spcAft>
+                <a:spcPts val="0"/>
+              </a:spcAft>
+              <a:buSzPts val="1500"/>
+              <a:buFont typeface="+mj-lt"/>
+              <a:buAutoNum type="arabicPeriod"/>
+            </a:pPr>
+            <a:endParaRPr lang="en-US" sz="1600" dirty="0">
+              <a:latin typeface="Calibri" panose="020F0502020204030204" pitchFamily="34" charset="0"/>
+              <a:ea typeface="Calibri" panose="020F0502020204030204" pitchFamily="34" charset="0"/>
+              <a:cs typeface="Calibri" panose="020F0502020204030204" pitchFamily="34" charset="0"/>
+            </a:endParaRPr>
+          </a:p>
+          <a:p>
+            <a:pPr marL="133350" lvl="0" algn="l" rtl="0">
+              <a:spcBef>
+                <a:spcPts val="0"/>
+              </a:spcBef>
+              <a:spcAft>
+                <a:spcPts val="0"/>
+              </a:spcAft>
+              <a:buSzPts val="1500"/>
+            </a:pPr>
+            <a:r>
+              <a:rPr lang="en-US" sz="1600" b="1" dirty="0">
+                <a:latin typeface="Calibri" panose="020F0502020204030204" pitchFamily="34" charset="0"/>
+                <a:ea typeface="Calibri" panose="020F0502020204030204" pitchFamily="34" charset="0"/>
+                <a:cs typeface="Calibri" panose="020F0502020204030204" pitchFamily="34" charset="0"/>
+              </a:rPr>
+              <a:t>Testing Conditions:</a:t>
+            </a:r>
+            <a:r>
+              <a:rPr lang="en-US" sz="1600" dirty="0">
+                <a:latin typeface="Calibri" panose="020F0502020204030204" pitchFamily="34" charset="0"/>
+                <a:ea typeface="Calibri" panose="020F0502020204030204" pitchFamily="34" charset="0"/>
+                <a:cs typeface="Calibri" panose="020F0502020204030204" pitchFamily="34" charset="0"/>
+              </a:rPr>
+              <a:t> </a:t>
+            </a:r>
+          </a:p>
+          <a:p>
+            <a:pPr marL="419100" lvl="0" indent="-285750" algn="l" rtl="0">
+              <a:spcBef>
+                <a:spcPts val="0"/>
+              </a:spcBef>
+              <a:spcAft>
+                <a:spcPts val="0"/>
+              </a:spcAft>
+              <a:buSzPts val="1500"/>
+              <a:buFont typeface="Arial" panose="020B0604020202020204" pitchFamily="34" charset="0"/>
+              <a:buChar char="•"/>
+            </a:pPr>
+            <a:r>
+              <a:rPr lang="en-US" sz="1600" dirty="0">
+                <a:latin typeface="Calibri" panose="020F0502020204030204" pitchFamily="34" charset="0"/>
+                <a:ea typeface="Calibri" panose="020F0502020204030204" pitchFamily="34" charset="0"/>
+                <a:cs typeface="Calibri" panose="020F0502020204030204" pitchFamily="34" charset="0"/>
+              </a:rPr>
+              <a:t>Test Performed: Welch test (t-test with unequal variance)</a:t>
+            </a:r>
+          </a:p>
+          <a:p>
+            <a:pPr marL="419100" lvl="0" indent="-285750" algn="l" rtl="0">
+              <a:spcBef>
+                <a:spcPts val="0"/>
+              </a:spcBef>
+              <a:spcAft>
+                <a:spcPts val="0"/>
+              </a:spcAft>
+              <a:buSzPts val="1500"/>
+              <a:buFont typeface="Arial" panose="020B0604020202020204" pitchFamily="34" charset="0"/>
+              <a:buChar char="•"/>
+            </a:pPr>
+            <a:r>
+              <a:rPr lang="en-US" sz="1600" dirty="0">
+                <a:latin typeface="Calibri" panose="020F0502020204030204" pitchFamily="34" charset="0"/>
+                <a:ea typeface="Calibri" panose="020F0502020204030204" pitchFamily="34" charset="0"/>
+                <a:cs typeface="Calibri" panose="020F0502020204030204" pitchFamily="34" charset="0"/>
+              </a:rPr>
+              <a:t>Significance Level: α = 0.05</a:t>
+            </a:r>
+            <a:endParaRPr lang="en-US" sz="1600" b="1" dirty="0">
+              <a:latin typeface="Calibri" panose="020F0502020204030204" pitchFamily="34" charset="0"/>
+              <a:ea typeface="Calibri" panose="020F0502020204030204" pitchFamily="34" charset="0"/>
+              <a:cs typeface="Calibri" panose="020F0502020204030204" pitchFamily="34" charset="0"/>
+            </a:endParaRPr>
+          </a:p>
+          <a:p>
+            <a:pPr marL="419100" lvl="0" indent="-285750" algn="l" rtl="0">
+              <a:spcBef>
+                <a:spcPts val="0"/>
+              </a:spcBef>
+              <a:spcAft>
+                <a:spcPts val="0"/>
+              </a:spcAft>
+              <a:buSzPts val="1500"/>
+              <a:buFont typeface="Arial" panose="020B0604020202020204" pitchFamily="34" charset="0"/>
+              <a:buChar char="•"/>
+            </a:pPr>
+            <a:r>
+              <a:rPr lang="en-US" sz="1600" dirty="0">
+                <a:latin typeface="Calibri" panose="020F0502020204030204" pitchFamily="34" charset="0"/>
+                <a:ea typeface="Calibri" panose="020F0502020204030204" pitchFamily="34" charset="0"/>
+                <a:cs typeface="Calibri" panose="020F0502020204030204" pitchFamily="34" charset="0"/>
+              </a:rPr>
+              <a:t>The test is repeated for all individual stocks vs. Nifty50 index (91 iterations)</a:t>
+            </a:r>
+          </a:p>
+        </p:txBody>
+      </p:sp>
+    </p:spTree>
+    <p:extLst>
+      <p:ext uri="{BB962C8B-B14F-4D97-AF65-F5344CB8AC3E}">
+        <p14:creationId xmlns:p14="http://schemas.microsoft.com/office/powerpoint/2010/main" val="697665250"/>
+      </p:ext>
+    </p:extLst>
+  </p:cSld>
+  <p:clrMapOvr>
+    <a:masterClrMapping/>
+  </p:clrMapOvr>
+</p:sld>
+</file>
+
+<file path=ppt/slides/slide13.xml><?xml version="1.0" encoding="utf-8"?>
+<p:sld xmlns:a="http://schemas.openxmlformats.org/drawingml/2006/main" xmlns:r="http://schemas.openxmlformats.org/officeDocument/2006/relationships" xmlns:p="http://schemas.openxmlformats.org/presentationml/2006/main">
+  <p:cSld>
+    <p:spTree>
+      <p:nvGrpSpPr>
+        <p:cNvPr id="1" name="Shape 100"/>
+        <p:cNvGrpSpPr/>
+        <p:nvPr/>
+      </p:nvGrpSpPr>
+      <p:grpSpPr>
+        <a:xfrm>
+          <a:off x="0" y="0"/>
+          <a:ext cx="0" cy="0"/>
+          <a:chOff x="0" y="0"/>
+          <a:chExt cx="0" cy="0"/>
+        </a:xfrm>
+      </p:grpSpPr>
+      <p:sp>
+        <p:nvSpPr>
+          <p:cNvPr id="101" name="Google Shape;101;p20"/>
+          <p:cNvSpPr txBox="1">
+            <a:spLocks noGrp="1"/>
+          </p:cNvSpPr>
+          <p:nvPr>
+            <p:ph type="title"/>
+          </p:nvPr>
+        </p:nvSpPr>
+        <p:spPr>
+          <a:xfrm>
+            <a:off x="311700" y="86683"/>
+            <a:ext cx="8520600" cy="572700"/>
+          </a:xfrm>
+          <a:prstGeom prst="rect">
+            <a:avLst/>
+          </a:prstGeom>
+        </p:spPr>
+        <p:txBody>
+          <a:bodyPr spcFirstLastPara="1" wrap="square" lIns="91425" tIns="91425" rIns="91425" bIns="91425" anchor="t" anchorCtr="0">
+            <a:noAutofit/>
+          </a:bodyPr>
+          <a:lstStyle/>
+          <a:p>
+            <a:pPr marL="0" lvl="0" indent="0" algn="l" rtl="0">
+              <a:spcBef>
+                <a:spcPts val="0"/>
+              </a:spcBef>
+              <a:spcAft>
+                <a:spcPts val="0"/>
+              </a:spcAft>
+              <a:buNone/>
+            </a:pPr>
+            <a:r>
+              <a:rPr lang="en" sz="1800" b="1" dirty="0">
+                <a:latin typeface="Calibri" panose="020F0502020204030204" pitchFamily="34" charset="0"/>
+                <a:ea typeface="Calibri" panose="020F0502020204030204" pitchFamily="34" charset="0"/>
+                <a:cs typeface="Calibri" panose="020F0502020204030204" pitchFamily="34" charset="0"/>
+              </a:rPr>
+              <a:t>Question 2: Index vs Individual Stocks</a:t>
+            </a:r>
+            <a:endParaRPr lang="en-US" sz="1800" b="1" dirty="0">
+              <a:latin typeface="Calibri" panose="020F0502020204030204" pitchFamily="34" charset="0"/>
+              <a:ea typeface="Calibri" panose="020F0502020204030204" pitchFamily="34" charset="0"/>
+              <a:cs typeface="Calibri" panose="020F0502020204030204" pitchFamily="34" charset="0"/>
+            </a:endParaRPr>
+          </a:p>
+        </p:txBody>
+      </p:sp>
+      <p:sp>
+        <p:nvSpPr>
+          <p:cNvPr id="2" name="Slide Number Placeholder 1">
+            <a:extLst>
+              <a:ext uri="{FF2B5EF4-FFF2-40B4-BE49-F238E27FC236}">
+                <a16:creationId xmlns:a16="http://schemas.microsoft.com/office/drawing/2014/main" id="{555257E2-FDDB-71A8-1C52-B43F0D4DDF9A}"/>
+              </a:ext>
+            </a:extLst>
+          </p:cNvPr>
+          <p:cNvSpPr>
+            <a:spLocks noGrp="1"/>
+          </p:cNvSpPr>
+          <p:nvPr>
+            <p:ph type="sldNum" idx="12"/>
+          </p:nvPr>
+        </p:nvSpPr>
+        <p:spPr/>
+        <p:txBody>
+          <a:bodyPr/>
+          <a:lstStyle/>
+          <a:p>
+            <a:pPr marL="0" lvl="0" indent="0" algn="r" rtl="0">
+              <a:spcBef>
+                <a:spcPts val="0"/>
+              </a:spcBef>
+              <a:spcAft>
+                <a:spcPts val="0"/>
+              </a:spcAft>
+              <a:buNone/>
+            </a:pPr>
+            <a:fld id="{00000000-1234-1234-1234-123412341234}" type="slidenum">
+              <a:rPr lang="en" smtClean="0"/>
+              <a:t>13</a:t>
+            </a:fld>
+            <a:endParaRPr lang="en"/>
+          </a:p>
+        </p:txBody>
+      </p:sp>
+      <p:sp>
+        <p:nvSpPr>
+          <p:cNvPr id="5" name="Google Shape;88;p18">
+            <a:extLst>
+              <a:ext uri="{FF2B5EF4-FFF2-40B4-BE49-F238E27FC236}">
+                <a16:creationId xmlns:a16="http://schemas.microsoft.com/office/drawing/2014/main" id="{47CE6EB1-DCAD-140F-A405-5A7DDE85A3A1}"/>
+              </a:ext>
+            </a:extLst>
+          </p:cNvPr>
+          <p:cNvSpPr txBox="1"/>
+          <p:nvPr/>
+        </p:nvSpPr>
+        <p:spPr>
+          <a:xfrm>
+            <a:off x="311700" y="964643"/>
+            <a:ext cx="7830900" cy="3631733"/>
+          </a:xfrm>
+          <a:prstGeom prst="rect">
+            <a:avLst/>
+          </a:prstGeom>
+          <a:noFill/>
+          <a:ln>
+            <a:noFill/>
+          </a:ln>
+        </p:spPr>
+        <p:txBody>
+          <a:bodyPr spcFirstLastPara="1" wrap="square" lIns="91425" tIns="91425" rIns="91425" bIns="91425" anchor="t" anchorCtr="0">
+            <a:spAutoFit/>
+          </a:bodyPr>
+          <a:lstStyle/>
+          <a:p>
+            <a:pPr marL="133350" lvl="0" algn="l" rtl="0">
+              <a:spcBef>
+                <a:spcPts val="0"/>
+              </a:spcBef>
+              <a:spcAft>
+                <a:spcPts val="0"/>
+              </a:spcAft>
+              <a:buSzPts val="1500"/>
+            </a:pPr>
+            <a:r>
+              <a:rPr lang="en-US" sz="1600" b="1" dirty="0">
+                <a:latin typeface="Calibri" panose="020F0502020204030204" pitchFamily="34" charset="0"/>
+                <a:ea typeface="Calibri" panose="020F0502020204030204" pitchFamily="34" charset="0"/>
+                <a:cs typeface="Calibri" panose="020F0502020204030204" pitchFamily="34" charset="0"/>
+              </a:rPr>
+              <a:t>Hypothesis Formulation:</a:t>
+            </a:r>
+          </a:p>
+          <a:p>
+            <a:pPr marL="133350" lvl="0" algn="l" rtl="0">
+              <a:spcBef>
+                <a:spcPts val="0"/>
+              </a:spcBef>
+              <a:spcAft>
+                <a:spcPts val="0"/>
+              </a:spcAft>
+              <a:buSzPts val="1500"/>
+            </a:pPr>
+            <a:r>
+              <a:rPr lang="en-US" sz="1600" b="1" dirty="0">
+                <a:latin typeface="Calibri" panose="020F0502020204030204" pitchFamily="34" charset="0"/>
+                <a:ea typeface="Calibri" panose="020F0502020204030204" pitchFamily="34" charset="0"/>
+                <a:cs typeface="Calibri" panose="020F0502020204030204" pitchFamily="34" charset="0"/>
+              </a:rPr>
+              <a:t>H</a:t>
+            </a:r>
+            <a:r>
+              <a:rPr lang="en-US" sz="1600" b="1" baseline="-25000" dirty="0">
+                <a:latin typeface="Calibri" panose="020F0502020204030204" pitchFamily="34" charset="0"/>
+                <a:ea typeface="Calibri" panose="020F0502020204030204" pitchFamily="34" charset="0"/>
+                <a:cs typeface="Calibri" panose="020F0502020204030204" pitchFamily="34" charset="0"/>
+              </a:rPr>
+              <a:t>0</a:t>
+            </a:r>
+            <a:r>
+              <a:rPr lang="en-US" sz="1600" b="1" dirty="0">
+                <a:latin typeface="Calibri" panose="020F0502020204030204" pitchFamily="34" charset="0"/>
+                <a:ea typeface="Calibri" panose="020F0502020204030204" pitchFamily="34" charset="0"/>
+                <a:cs typeface="Calibri" panose="020F0502020204030204" pitchFamily="34" charset="0"/>
+              </a:rPr>
+              <a:t>: </a:t>
+            </a:r>
+            <a:r>
+              <a:rPr lang="en-US" sz="1600" b="0" i="0" u="none" strike="noStrike" dirty="0">
+                <a:solidFill>
+                  <a:srgbClr val="000000"/>
+                </a:solidFill>
+                <a:effectLst/>
+                <a:latin typeface="Calibri" panose="020F0502020204030204" pitchFamily="34" charset="0"/>
+              </a:rPr>
+              <a:t>There is no difference between index returns and those</a:t>
+            </a:r>
+          </a:p>
+          <a:p>
+            <a:pPr marL="133350" lvl="0" algn="l" rtl="0">
+              <a:spcBef>
+                <a:spcPts val="0"/>
+              </a:spcBef>
+              <a:spcAft>
+                <a:spcPts val="0"/>
+              </a:spcAft>
+              <a:buSzPts val="1500"/>
+            </a:pPr>
+            <a:r>
+              <a:rPr lang="en-US" sz="1600" b="0" i="0" u="none" strike="noStrike" dirty="0">
+                <a:solidFill>
+                  <a:srgbClr val="000000"/>
+                </a:solidFill>
+                <a:effectLst/>
+                <a:latin typeface="Calibri" panose="020F0502020204030204" pitchFamily="34" charset="0"/>
+              </a:rPr>
+              <a:t>from an individual stock.</a:t>
+            </a:r>
+          </a:p>
+          <a:p>
+            <a:pPr marL="133350" lvl="0" algn="l" rtl="0">
+              <a:spcBef>
+                <a:spcPts val="0"/>
+              </a:spcBef>
+              <a:spcAft>
+                <a:spcPts val="0"/>
+              </a:spcAft>
+              <a:buSzPts val="1500"/>
+            </a:pPr>
+            <a:r>
+              <a:rPr lang="en-US" sz="1600" b="1" dirty="0">
+                <a:latin typeface="Calibri" panose="020F0502020204030204" pitchFamily="34" charset="0"/>
+                <a:ea typeface="Calibri" panose="020F0502020204030204" pitchFamily="34" charset="0"/>
+                <a:cs typeface="Calibri" panose="020F0502020204030204" pitchFamily="34" charset="0"/>
+              </a:rPr>
+              <a:t>H</a:t>
+            </a:r>
+            <a:r>
+              <a:rPr lang="en-US" sz="1600" b="1" baseline="-25000" dirty="0">
+                <a:latin typeface="Calibri" panose="020F0502020204030204" pitchFamily="34" charset="0"/>
+                <a:ea typeface="Calibri" panose="020F0502020204030204" pitchFamily="34" charset="0"/>
+                <a:cs typeface="Calibri" panose="020F0502020204030204" pitchFamily="34" charset="0"/>
+              </a:rPr>
+              <a:t>A</a:t>
+            </a:r>
+            <a:r>
+              <a:rPr lang="en-US" sz="1600" b="1" dirty="0">
+                <a:latin typeface="Calibri" panose="020F0502020204030204" pitchFamily="34" charset="0"/>
+                <a:ea typeface="Calibri" panose="020F0502020204030204" pitchFamily="34" charset="0"/>
+                <a:cs typeface="Calibri" panose="020F0502020204030204" pitchFamily="34" charset="0"/>
+              </a:rPr>
+              <a:t>: </a:t>
+            </a:r>
+            <a:r>
+              <a:rPr lang="en-US" sz="1600" dirty="0">
+                <a:latin typeface="Calibri" panose="020F0502020204030204" pitchFamily="34" charset="0"/>
+                <a:ea typeface="Calibri" panose="020F0502020204030204" pitchFamily="34" charset="0"/>
+                <a:cs typeface="Calibri" panose="020F0502020204030204" pitchFamily="34" charset="0"/>
+              </a:rPr>
+              <a:t>R</a:t>
+            </a:r>
+            <a:r>
+              <a:rPr lang="en-US" sz="1600" b="0" i="0" u="none" strike="noStrike" dirty="0">
+                <a:solidFill>
+                  <a:srgbClr val="000000"/>
+                </a:solidFill>
+                <a:effectLst/>
+                <a:latin typeface="Calibri" panose="020F0502020204030204" pitchFamily="34" charset="0"/>
+              </a:rPr>
+              <a:t>eturns obtained through an individual stock are greater</a:t>
+            </a:r>
+          </a:p>
+          <a:p>
+            <a:pPr marL="133350" lvl="0" algn="l" rtl="0">
+              <a:spcBef>
+                <a:spcPts val="0"/>
+              </a:spcBef>
+              <a:spcAft>
+                <a:spcPts val="0"/>
+              </a:spcAft>
+              <a:buSzPts val="1500"/>
+            </a:pPr>
+            <a:r>
+              <a:rPr lang="en-US" sz="1600" b="0" i="0" u="none" strike="noStrike" dirty="0">
+                <a:solidFill>
+                  <a:srgbClr val="000000"/>
+                </a:solidFill>
+                <a:effectLst/>
+                <a:latin typeface="Calibri" panose="020F0502020204030204" pitchFamily="34" charset="0"/>
+              </a:rPr>
+              <a:t>than index returns.</a:t>
+            </a:r>
+            <a:endParaRPr lang="en-US" sz="1600" dirty="0">
+              <a:latin typeface="Calibri" panose="020F0502020204030204" pitchFamily="34" charset="0"/>
+              <a:ea typeface="Calibri" panose="020F0502020204030204" pitchFamily="34" charset="0"/>
+              <a:cs typeface="Calibri" panose="020F0502020204030204" pitchFamily="34" charset="0"/>
+            </a:endParaRPr>
+          </a:p>
+          <a:p>
+            <a:pPr marL="133350" lvl="0" algn="l" rtl="0">
+              <a:spcBef>
+                <a:spcPts val="0"/>
+              </a:spcBef>
+              <a:spcAft>
+                <a:spcPts val="0"/>
+              </a:spcAft>
+              <a:buSzPts val="1500"/>
+            </a:pPr>
+            <a:endParaRPr lang="en-US" sz="1600" dirty="0">
+              <a:latin typeface="Calibri" panose="020F0502020204030204" pitchFamily="34" charset="0"/>
+              <a:ea typeface="Calibri" panose="020F0502020204030204" pitchFamily="34" charset="0"/>
+              <a:cs typeface="Calibri" panose="020F0502020204030204" pitchFamily="34" charset="0"/>
+            </a:endParaRPr>
+          </a:p>
+          <a:p>
+            <a:pPr marL="133350" lvl="0" algn="l" rtl="0">
+              <a:spcBef>
+                <a:spcPts val="0"/>
+              </a:spcBef>
+              <a:spcAft>
+                <a:spcPts val="0"/>
+              </a:spcAft>
+              <a:buSzPts val="1500"/>
+            </a:pPr>
+            <a:r>
+              <a:rPr lang="en-US" sz="1600" b="1" dirty="0">
+                <a:latin typeface="Calibri" panose="020F0502020204030204" pitchFamily="34" charset="0"/>
+                <a:ea typeface="Calibri" panose="020F0502020204030204" pitchFamily="34" charset="0"/>
+                <a:cs typeface="Calibri" panose="020F0502020204030204" pitchFamily="34" charset="0"/>
+              </a:rPr>
+              <a:t>Results:</a:t>
+            </a:r>
+          </a:p>
+          <a:p>
+            <a:pPr marL="133350" lvl="0" algn="l" rtl="0">
+              <a:spcBef>
+                <a:spcPts val="0"/>
+              </a:spcBef>
+              <a:spcAft>
+                <a:spcPts val="0"/>
+              </a:spcAft>
+              <a:buSzPts val="1500"/>
+            </a:pPr>
+            <a:r>
+              <a:rPr lang="en-US" sz="1600" dirty="0">
+                <a:latin typeface="Calibri" panose="020F0502020204030204" pitchFamily="34" charset="0"/>
+                <a:ea typeface="Calibri" panose="020F0502020204030204" pitchFamily="34" charset="0"/>
+                <a:cs typeface="Calibri" panose="020F0502020204030204" pitchFamily="34" charset="0"/>
+              </a:rPr>
+              <a:t>We ran the test for 91 stocks, each compared to the Nifty50 index.</a:t>
+            </a:r>
+          </a:p>
+          <a:p>
+            <a:pPr marL="133350" lvl="0" algn="l" rtl="0">
+              <a:spcBef>
+                <a:spcPts val="0"/>
+              </a:spcBef>
+              <a:spcAft>
+                <a:spcPts val="0"/>
+              </a:spcAft>
+              <a:buSzPts val="1500"/>
+            </a:pPr>
+            <a:endParaRPr lang="en-US" sz="1600" dirty="0">
+              <a:latin typeface="Calibri" panose="020F0502020204030204" pitchFamily="34" charset="0"/>
+              <a:ea typeface="Calibri" panose="020F0502020204030204" pitchFamily="34" charset="0"/>
+              <a:cs typeface="Calibri" panose="020F0502020204030204" pitchFamily="34" charset="0"/>
+            </a:endParaRPr>
+          </a:p>
+          <a:p>
+            <a:pPr marL="133350" lvl="0" algn="l" rtl="0">
+              <a:spcBef>
+                <a:spcPts val="0"/>
+              </a:spcBef>
+              <a:spcAft>
+                <a:spcPts val="0"/>
+              </a:spcAft>
+              <a:buSzPts val="1500"/>
+            </a:pPr>
+            <a:r>
+              <a:rPr lang="en-US" sz="1600" dirty="0">
+                <a:latin typeface="Calibri" panose="020F0502020204030204" pitchFamily="34" charset="0"/>
+                <a:ea typeface="Calibri" panose="020F0502020204030204" pitchFamily="34" charset="0"/>
+                <a:cs typeface="Calibri" panose="020F0502020204030204" pitchFamily="34" charset="0"/>
+              </a:rPr>
+              <a:t>For 74 of the individual stocks, we reject the null hypothesis that the individual stock returns are not different from that of the Nifty50 index. More details </a:t>
+            </a:r>
+            <a:r>
+              <a:rPr lang="en-US" sz="1600" dirty="0">
+                <a:latin typeface="Calibri" panose="020F0502020204030204" pitchFamily="34" charset="0"/>
+                <a:ea typeface="Calibri" panose="020F0502020204030204" pitchFamily="34" charset="0"/>
+                <a:cs typeface="Calibri" panose="020F0502020204030204" pitchFamily="34" charset="0"/>
+                <a:hlinkClick r:id="rId3"/>
+              </a:rPr>
+              <a:t>here</a:t>
+            </a:r>
+            <a:r>
+              <a:rPr lang="en-US" sz="1600" dirty="0">
+                <a:latin typeface="Calibri" panose="020F0502020204030204" pitchFamily="34" charset="0"/>
+                <a:ea typeface="Calibri" panose="020F0502020204030204" pitchFamily="34" charset="0"/>
+                <a:cs typeface="Calibri" panose="020F0502020204030204" pitchFamily="34" charset="0"/>
+              </a:rPr>
+              <a:t>.</a:t>
+            </a:r>
+          </a:p>
+          <a:p>
+            <a:pPr marL="133350" lvl="0" algn="l" rtl="0">
+              <a:spcBef>
+                <a:spcPts val="0"/>
+              </a:spcBef>
+              <a:spcAft>
+                <a:spcPts val="0"/>
+              </a:spcAft>
+              <a:buSzPts val="1500"/>
+            </a:pPr>
+            <a:endParaRPr lang="en-US" sz="1600" dirty="0">
+              <a:latin typeface="Calibri" panose="020F0502020204030204" pitchFamily="34" charset="0"/>
+              <a:ea typeface="Calibri" panose="020F0502020204030204" pitchFamily="34" charset="0"/>
+              <a:cs typeface="Calibri" panose="020F0502020204030204" pitchFamily="34" charset="0"/>
+            </a:endParaRPr>
+          </a:p>
+          <a:p>
+            <a:pPr marL="133350" lvl="0" algn="l" rtl="0">
+              <a:spcBef>
+                <a:spcPts val="0"/>
+              </a:spcBef>
+              <a:spcAft>
+                <a:spcPts val="0"/>
+              </a:spcAft>
+              <a:buSzPts val="1500"/>
+            </a:pPr>
+            <a:r>
+              <a:rPr lang="en-US" sz="1600" b="1" dirty="0">
+                <a:latin typeface="Calibri" panose="020F0502020204030204" pitchFamily="34" charset="0"/>
+                <a:ea typeface="Calibri" panose="020F0502020204030204" pitchFamily="34" charset="0"/>
+                <a:cs typeface="Calibri" panose="020F0502020204030204" pitchFamily="34" charset="0"/>
+              </a:rPr>
+              <a:t>Interpretation:</a:t>
+            </a:r>
+            <a:r>
+              <a:rPr lang="en-US" sz="1600" dirty="0">
+                <a:latin typeface="Calibri" panose="020F0502020204030204" pitchFamily="34" charset="0"/>
+                <a:ea typeface="Calibri" panose="020F0502020204030204" pitchFamily="34" charset="0"/>
+                <a:cs typeface="Calibri" panose="020F0502020204030204" pitchFamily="34" charset="0"/>
+              </a:rPr>
+              <a:t> We infer that we are better off separately investing in 74 stocks, rather than investing in the Nifty50 index. </a:t>
+            </a:r>
+            <a:endParaRPr lang="en-US" sz="1600" b="1" dirty="0">
+              <a:latin typeface="Calibri" panose="020F0502020204030204" pitchFamily="34" charset="0"/>
+              <a:ea typeface="Calibri" panose="020F0502020204030204" pitchFamily="34" charset="0"/>
+              <a:cs typeface="Calibri" panose="020F0502020204030204" pitchFamily="34" charset="0"/>
+            </a:endParaRPr>
+          </a:p>
+        </p:txBody>
+      </p:sp>
+      <p:pic>
+        <p:nvPicPr>
+          <p:cNvPr id="7" name="Picture 6">
+            <a:extLst>
+              <a:ext uri="{FF2B5EF4-FFF2-40B4-BE49-F238E27FC236}">
+                <a16:creationId xmlns:a16="http://schemas.microsoft.com/office/drawing/2014/main" id="{4575537F-FE97-253A-7A28-312B8D24A09C}"/>
+              </a:ext>
+            </a:extLst>
+          </p:cNvPr>
+          <p:cNvPicPr>
+            <a:picLocks noChangeAspect="1"/>
+          </p:cNvPicPr>
+          <p:nvPr/>
+        </p:nvPicPr>
+        <p:blipFill>
+          <a:blip r:embed="rId4"/>
+          <a:stretch>
+            <a:fillRect/>
+          </a:stretch>
+        </p:blipFill>
+        <p:spPr>
+          <a:xfrm>
+            <a:off x="5650438" y="391943"/>
+            <a:ext cx="3181862" cy="2212580"/>
+          </a:xfrm>
+          <a:prstGeom prst="rect">
+            <a:avLst/>
+          </a:prstGeom>
+        </p:spPr>
+      </p:pic>
+    </p:spTree>
+    <p:extLst>
+      <p:ext uri="{BB962C8B-B14F-4D97-AF65-F5344CB8AC3E}">
+        <p14:creationId xmlns:p14="http://schemas.microsoft.com/office/powerpoint/2010/main" val="3907364723"/>
+      </p:ext>
+    </p:extLst>
+  </p:cSld>
+  <p:clrMapOvr>
+    <a:masterClrMapping/>
+  </p:clrMapOvr>
+</p:sld>
+</file>
+
+<file path=ppt/slides/slide14.xml><?xml version="1.0" encoding="utf-8"?>
 <p:sld xmlns:a="http://schemas.openxmlformats.org/drawingml/2006/main" xmlns:r="http://schemas.openxmlformats.org/officeDocument/2006/relationships" xmlns:p="http://schemas.openxmlformats.org/presentationml/2006/main">
   <p:cSld>
     <p:spTree>
@@ -7430,7 +9241,7 @@
             </a:pPr>
             <a:fld id="{00000000-1234-1234-1234-123412341234}" type="slidenum">
               <a:rPr lang="en" smtClean="0"/>
-              <a:t>10</a:t>
+              <a:t>14</a:t>
             </a:fld>
             <a:endParaRPr lang="en"/>
           </a:p>
@@ -8861,6 +10672,363 @@
   <p:cSld>
     <p:spTree>
       <p:nvGrpSpPr>
+        <p:cNvPr id="1" name=""/>
+        <p:cNvGrpSpPr/>
+        <p:nvPr/>
+      </p:nvGrpSpPr>
+      <p:grpSpPr>
+        <a:xfrm>
+          <a:off x="0" y="0"/>
+          <a:ext cx="0" cy="0"/>
+          <a:chOff x="0" y="0"/>
+          <a:chExt cx="0" cy="0"/>
+        </a:xfrm>
+      </p:grpSpPr>
+      <p:sp>
+        <p:nvSpPr>
+          <p:cNvPr id="2" name="Title 1">
+            <a:extLst>
+              <a:ext uri="{FF2B5EF4-FFF2-40B4-BE49-F238E27FC236}">
+                <a16:creationId xmlns:a16="http://schemas.microsoft.com/office/drawing/2014/main" id="{C74D775C-BEB1-08F8-3679-7F0929E43F60}"/>
+              </a:ext>
+            </a:extLst>
+          </p:cNvPr>
+          <p:cNvSpPr>
+            <a:spLocks noGrp="1"/>
+          </p:cNvSpPr>
+          <p:nvPr>
+            <p:ph type="title"/>
+          </p:nvPr>
+        </p:nvSpPr>
+        <p:spPr/>
+        <p:txBody>
+          <a:bodyPr>
+            <a:normAutofit fontScale="90000"/>
+          </a:bodyPr>
+          <a:lstStyle/>
+          <a:p>
+            <a:r>
+              <a:rPr lang="en-IN" dirty="0"/>
+              <a:t>Placeholder Slide</a:t>
+            </a:r>
+          </a:p>
+        </p:txBody>
+      </p:sp>
+      <p:sp>
+        <p:nvSpPr>
+          <p:cNvPr id="3" name="Text Placeholder 2">
+            <a:extLst>
+              <a:ext uri="{FF2B5EF4-FFF2-40B4-BE49-F238E27FC236}">
+                <a16:creationId xmlns:a16="http://schemas.microsoft.com/office/drawing/2014/main" id="{A63F94C3-3787-A787-723C-F6A07B8DFA27}"/>
+              </a:ext>
+            </a:extLst>
+          </p:cNvPr>
+          <p:cNvSpPr>
+            <a:spLocks noGrp="1"/>
+          </p:cNvSpPr>
+          <p:nvPr>
+            <p:ph type="body" idx="1"/>
+          </p:nvPr>
+        </p:nvSpPr>
+        <p:spPr/>
+        <p:txBody>
+          <a:bodyPr/>
+          <a:lstStyle/>
+          <a:p>
+            <a:endParaRPr lang="en-IN"/>
+          </a:p>
+        </p:txBody>
+      </p:sp>
+      <p:sp>
+        <p:nvSpPr>
+          <p:cNvPr id="4" name="Slide Number Placeholder 3">
+            <a:extLst>
+              <a:ext uri="{FF2B5EF4-FFF2-40B4-BE49-F238E27FC236}">
+                <a16:creationId xmlns:a16="http://schemas.microsoft.com/office/drawing/2014/main" id="{41520747-C13A-83E6-BA89-E0F4ACB98AC7}"/>
+              </a:ext>
+            </a:extLst>
+          </p:cNvPr>
+          <p:cNvSpPr>
+            <a:spLocks noGrp="1"/>
+          </p:cNvSpPr>
+          <p:nvPr>
+            <p:ph type="sldNum" idx="12"/>
+          </p:nvPr>
+        </p:nvSpPr>
+        <p:spPr/>
+        <p:txBody>
+          <a:bodyPr/>
+          <a:lstStyle/>
+          <a:p>
+            <a:pPr marL="0" lvl="0" indent="0" algn="r" rtl="0">
+              <a:spcBef>
+                <a:spcPts val="0"/>
+              </a:spcBef>
+              <a:spcAft>
+                <a:spcPts val="0"/>
+              </a:spcAft>
+              <a:buNone/>
+            </a:pPr>
+            <a:fld id="{00000000-1234-1234-1234-123412341234}" type="slidenum">
+              <a:rPr lang="en" smtClean="0"/>
+              <a:t>4</a:t>
+            </a:fld>
+            <a:endParaRPr lang="en"/>
+          </a:p>
+        </p:txBody>
+      </p:sp>
+      <p:sp>
+        <p:nvSpPr>
+          <p:cNvPr id="5" name="Rectangle 4">
+            <a:extLst>
+              <a:ext uri="{FF2B5EF4-FFF2-40B4-BE49-F238E27FC236}">
+                <a16:creationId xmlns:a16="http://schemas.microsoft.com/office/drawing/2014/main" id="{86B8AFC8-091B-3D24-6D1D-EAA08F54BB70}"/>
+              </a:ext>
+            </a:extLst>
+          </p:cNvPr>
+          <p:cNvSpPr/>
+          <p:nvPr/>
+        </p:nvSpPr>
+        <p:spPr>
+          <a:xfrm>
+            <a:off x="744653" y="1152475"/>
+            <a:ext cx="1944710" cy="1624767"/>
+          </a:xfrm>
+          <a:prstGeom prst="rect">
+            <a:avLst/>
+          </a:prstGeom>
+          <a:solidFill>
+            <a:srgbClr val="4B2E83"/>
+          </a:solidFill>
+          <a:ln>
+            <a:solidFill>
+              <a:srgbClr val="4B2E83"/>
+            </a:solidFill>
+          </a:ln>
+        </p:spPr>
+        <p:style>
+          <a:lnRef idx="2">
+            <a:schemeClr val="accent1">
+              <a:shade val="50000"/>
+            </a:schemeClr>
+          </a:lnRef>
+          <a:fillRef idx="1">
+            <a:schemeClr val="accent1"/>
+          </a:fillRef>
+          <a:effectRef idx="0">
+            <a:schemeClr val="accent1"/>
+          </a:effectRef>
+          <a:fontRef idx="minor">
+            <a:schemeClr val="lt1"/>
+          </a:fontRef>
+        </p:style>
+        <p:txBody>
+          <a:bodyPr rtlCol="0" anchor="ctr"/>
+          <a:lstStyle/>
+          <a:p>
+            <a:r>
+              <a:rPr lang="en-IN" dirty="0">
+                <a:solidFill>
+                  <a:srgbClr val="E8E3D3"/>
+                </a:solidFill>
+              </a:rPr>
+              <a:t>Risk Free Return</a:t>
+            </a:r>
+          </a:p>
+        </p:txBody>
+      </p:sp>
+      <p:sp>
+        <p:nvSpPr>
+          <p:cNvPr id="6" name="Rectangle 5">
+            <a:extLst>
+              <a:ext uri="{FF2B5EF4-FFF2-40B4-BE49-F238E27FC236}">
+                <a16:creationId xmlns:a16="http://schemas.microsoft.com/office/drawing/2014/main" id="{45C61488-9D55-70FC-C929-DC50346E0105}"/>
+              </a:ext>
+            </a:extLst>
+          </p:cNvPr>
+          <p:cNvSpPr/>
+          <p:nvPr/>
+        </p:nvSpPr>
+        <p:spPr>
+          <a:xfrm>
+            <a:off x="6527748" y="3131325"/>
+            <a:ext cx="1944710" cy="1624767"/>
+          </a:xfrm>
+          <a:prstGeom prst="rect">
+            <a:avLst/>
+          </a:prstGeom>
+          <a:solidFill>
+            <a:srgbClr val="4B2E83"/>
+          </a:solidFill>
+          <a:ln>
+            <a:solidFill>
+              <a:srgbClr val="4B2E83"/>
+            </a:solidFill>
+          </a:ln>
+        </p:spPr>
+        <p:style>
+          <a:lnRef idx="2">
+            <a:schemeClr val="accent1">
+              <a:shade val="50000"/>
+            </a:schemeClr>
+          </a:lnRef>
+          <a:fillRef idx="1">
+            <a:schemeClr val="accent1"/>
+          </a:fillRef>
+          <a:effectRef idx="0">
+            <a:schemeClr val="accent1"/>
+          </a:effectRef>
+          <a:fontRef idx="minor">
+            <a:schemeClr val="lt1"/>
+          </a:fontRef>
+        </p:style>
+        <p:txBody>
+          <a:bodyPr rtlCol="0" anchor="ctr"/>
+          <a:lstStyle/>
+          <a:p>
+            <a:endParaRPr lang="en-IN" dirty="0">
+              <a:solidFill>
+                <a:srgbClr val="E8E3D3"/>
+              </a:solidFill>
+            </a:endParaRPr>
+          </a:p>
+        </p:txBody>
+      </p:sp>
+      <p:sp>
+        <p:nvSpPr>
+          <p:cNvPr id="7" name="Rectangle 6">
+            <a:extLst>
+              <a:ext uri="{FF2B5EF4-FFF2-40B4-BE49-F238E27FC236}">
+                <a16:creationId xmlns:a16="http://schemas.microsoft.com/office/drawing/2014/main" id="{B981FB4B-B8BE-57C1-5C38-D1D651438EDB}"/>
+              </a:ext>
+            </a:extLst>
+          </p:cNvPr>
+          <p:cNvSpPr/>
+          <p:nvPr/>
+        </p:nvSpPr>
+        <p:spPr>
+          <a:xfrm>
+            <a:off x="744653" y="3131325"/>
+            <a:ext cx="1944710" cy="1624767"/>
+          </a:xfrm>
+          <a:prstGeom prst="rect">
+            <a:avLst/>
+          </a:prstGeom>
+          <a:solidFill>
+            <a:srgbClr val="4B2E83"/>
+          </a:solidFill>
+          <a:ln>
+            <a:solidFill>
+              <a:srgbClr val="4B2E83"/>
+            </a:solidFill>
+          </a:ln>
+        </p:spPr>
+        <p:style>
+          <a:lnRef idx="2">
+            <a:schemeClr val="accent1">
+              <a:shade val="50000"/>
+            </a:schemeClr>
+          </a:lnRef>
+          <a:fillRef idx="1">
+            <a:schemeClr val="accent1"/>
+          </a:fillRef>
+          <a:effectRef idx="0">
+            <a:schemeClr val="accent1"/>
+          </a:effectRef>
+          <a:fontRef idx="minor">
+            <a:schemeClr val="lt1"/>
+          </a:fontRef>
+        </p:style>
+        <p:txBody>
+          <a:bodyPr rtlCol="0" anchor="ctr"/>
+          <a:lstStyle/>
+          <a:p>
+            <a:endParaRPr lang="en-IN" dirty="0">
+              <a:solidFill>
+                <a:srgbClr val="E8E3D3"/>
+              </a:solidFill>
+            </a:endParaRPr>
+          </a:p>
+        </p:txBody>
+      </p:sp>
+      <p:sp>
+        <p:nvSpPr>
+          <p:cNvPr id="8" name="Rectangle 7">
+            <a:extLst>
+              <a:ext uri="{FF2B5EF4-FFF2-40B4-BE49-F238E27FC236}">
+                <a16:creationId xmlns:a16="http://schemas.microsoft.com/office/drawing/2014/main" id="{4B5F12FE-4F3F-06A6-2071-1F2C366A334E}"/>
+              </a:ext>
+            </a:extLst>
+          </p:cNvPr>
+          <p:cNvSpPr/>
+          <p:nvPr/>
+        </p:nvSpPr>
+        <p:spPr>
+          <a:xfrm>
+            <a:off x="6527748" y="1215704"/>
+            <a:ext cx="1944710" cy="1624767"/>
+          </a:xfrm>
+          <a:prstGeom prst="rect">
+            <a:avLst/>
+          </a:prstGeom>
+          <a:solidFill>
+            <a:srgbClr val="4B2E83"/>
+          </a:solidFill>
+          <a:ln>
+            <a:solidFill>
+              <a:srgbClr val="4B2E83"/>
+            </a:solidFill>
+          </a:ln>
+        </p:spPr>
+        <p:style>
+          <a:lnRef idx="2">
+            <a:schemeClr val="accent1">
+              <a:shade val="50000"/>
+            </a:schemeClr>
+          </a:lnRef>
+          <a:fillRef idx="1">
+            <a:schemeClr val="accent1"/>
+          </a:fillRef>
+          <a:effectRef idx="0">
+            <a:schemeClr val="accent1"/>
+          </a:effectRef>
+          <a:fontRef idx="minor">
+            <a:schemeClr val="lt1"/>
+          </a:fontRef>
+        </p:style>
+        <p:txBody>
+          <a:bodyPr rtlCol="0" anchor="ctr"/>
+          <a:lstStyle/>
+          <a:p>
+            <a:r>
+              <a:rPr lang="en-IN" dirty="0">
+                <a:solidFill>
+                  <a:srgbClr val="E8E3D3"/>
+                </a:solidFill>
+              </a:rPr>
+              <a:t>Index Return</a:t>
+            </a:r>
+          </a:p>
+        </p:txBody>
+      </p:sp>
+    </p:spTree>
+    <p:extLst>
+      <p:ext uri="{BB962C8B-B14F-4D97-AF65-F5344CB8AC3E}">
+        <p14:creationId xmlns:p14="http://schemas.microsoft.com/office/powerpoint/2010/main" val="2040598547"/>
+      </p:ext>
+    </p:extLst>
+  </p:cSld>
+  <p:clrMapOvr>
+    <a:masterClrMapping/>
+  </p:clrMapOvr>
+</p:sld>
+</file>
+
+<file path=ppt/slides/slide5.xml><?xml version="1.0" encoding="utf-8"?>
+<p:sld xmlns:a="http://schemas.openxmlformats.org/drawingml/2006/main" xmlns:r="http://schemas.openxmlformats.org/officeDocument/2006/relationships" xmlns:p="http://schemas.openxmlformats.org/presentationml/2006/main">
+  <p:cSld>
+    <p:spTree>
+      <p:nvGrpSpPr>
         <p:cNvPr id="1" name="Shape 66"/>
         <p:cNvGrpSpPr/>
         <p:nvPr/>
@@ -9198,9 +11366,600 @@
             </a:pPr>
             <a:fld id="{00000000-1234-1234-1234-123412341234}" type="slidenum">
               <a:rPr lang="en" smtClean="0"/>
-              <a:t>4</a:t>
+              <a:t>5</a:t>
             </a:fld>
             <a:endParaRPr lang="en"/>
+          </a:p>
+        </p:txBody>
+      </p:sp>
+    </p:spTree>
+    <p:extLst>
+      <p:ext uri="{BB962C8B-B14F-4D97-AF65-F5344CB8AC3E}">
+        <p14:creationId xmlns:p14="http://schemas.microsoft.com/office/powerpoint/2010/main" val="1825237128"/>
+      </p:ext>
+    </p:extLst>
+  </p:cSld>
+  <p:clrMapOvr>
+    <a:masterClrMapping/>
+  </p:clrMapOvr>
+</p:sld>
+</file>
+
+<file path=ppt/slides/slide6.xml><?xml version="1.0" encoding="utf-8"?>
+<p:sld xmlns:a="http://schemas.openxmlformats.org/drawingml/2006/main" xmlns:r="http://schemas.openxmlformats.org/officeDocument/2006/relationships" xmlns:p="http://schemas.openxmlformats.org/presentationml/2006/main">
+  <p:cSld>
+    <p:spTree>
+      <p:nvGrpSpPr>
+        <p:cNvPr id="1" name="Shape 66"/>
+        <p:cNvGrpSpPr/>
+        <p:nvPr/>
+      </p:nvGrpSpPr>
+      <p:grpSpPr>
+        <a:xfrm>
+          <a:off x="0" y="0"/>
+          <a:ext cx="0" cy="0"/>
+          <a:chOff x="0" y="0"/>
+          <a:chExt cx="0" cy="0"/>
+        </a:xfrm>
+      </p:grpSpPr>
+      <p:sp>
+        <p:nvSpPr>
+          <p:cNvPr id="67" name="Google Shape;67;p15"/>
+          <p:cNvSpPr txBox="1"/>
+          <p:nvPr/>
+        </p:nvSpPr>
+        <p:spPr>
+          <a:xfrm>
+            <a:off x="457200" y="126000"/>
+            <a:ext cx="7624200" cy="461700"/>
+          </a:xfrm>
+          <a:prstGeom prst="rect">
+            <a:avLst/>
+          </a:prstGeom>
+          <a:noFill/>
+          <a:ln>
+            <a:noFill/>
+          </a:ln>
+        </p:spPr>
+        <p:txBody>
+          <a:bodyPr spcFirstLastPara="1" wrap="square" lIns="91425" tIns="91425" rIns="91425" bIns="91425" anchor="t" anchorCtr="0">
+            <a:spAutoFit/>
+          </a:bodyPr>
+          <a:lstStyle/>
+          <a:p>
+            <a:pPr marL="0" lvl="0" indent="0" algn="l" rtl="0">
+              <a:spcBef>
+                <a:spcPts val="0"/>
+              </a:spcBef>
+              <a:spcAft>
+                <a:spcPts val="0"/>
+              </a:spcAft>
+              <a:buNone/>
+            </a:pPr>
+            <a:r>
+              <a:rPr lang="en" sz="1800" b="1" dirty="0">
+                <a:latin typeface="Calibri" panose="020F0502020204030204" pitchFamily="34" charset="0"/>
+                <a:ea typeface="Calibri" panose="020F0502020204030204" pitchFamily="34" charset="0"/>
+                <a:cs typeface="Calibri" panose="020F0502020204030204" pitchFamily="34" charset="0"/>
+              </a:rPr>
+              <a:t>Process Overview – Question 1</a:t>
+            </a:r>
+            <a:endParaRPr sz="1800" b="1" dirty="0">
+              <a:latin typeface="Calibri" panose="020F0502020204030204" pitchFamily="34" charset="0"/>
+              <a:ea typeface="Calibri" panose="020F0502020204030204" pitchFamily="34" charset="0"/>
+              <a:cs typeface="Calibri" panose="020F0502020204030204" pitchFamily="34" charset="0"/>
+            </a:endParaRPr>
+          </a:p>
+        </p:txBody>
+      </p:sp>
+      <p:sp>
+        <p:nvSpPr>
+          <p:cNvPr id="2" name="Slide Number Placeholder 1">
+            <a:extLst>
+              <a:ext uri="{FF2B5EF4-FFF2-40B4-BE49-F238E27FC236}">
+                <a16:creationId xmlns:a16="http://schemas.microsoft.com/office/drawing/2014/main" id="{CAB088FB-D177-8E53-2876-6029795DDAEF}"/>
+              </a:ext>
+            </a:extLst>
+          </p:cNvPr>
+          <p:cNvSpPr>
+            <a:spLocks noGrp="1"/>
+          </p:cNvSpPr>
+          <p:nvPr>
+            <p:ph type="sldNum" idx="12"/>
+          </p:nvPr>
+        </p:nvSpPr>
+        <p:spPr/>
+        <p:txBody>
+          <a:bodyPr/>
+          <a:lstStyle/>
+          <a:p>
+            <a:pPr marL="0" lvl="0" indent="0" algn="r" rtl="0">
+              <a:spcBef>
+                <a:spcPts val="0"/>
+              </a:spcBef>
+              <a:spcAft>
+                <a:spcPts val="0"/>
+              </a:spcAft>
+              <a:buNone/>
+            </a:pPr>
+            <a:fld id="{00000000-1234-1234-1234-123412341234}" type="slidenum">
+              <a:rPr lang="en" smtClean="0"/>
+              <a:t>6</a:t>
+            </a:fld>
+            <a:endParaRPr lang="en"/>
+          </a:p>
+        </p:txBody>
+      </p:sp>
+      <p:sp>
+        <p:nvSpPr>
+          <p:cNvPr id="3" name="Rectangle 2">
+            <a:extLst>
+              <a:ext uri="{FF2B5EF4-FFF2-40B4-BE49-F238E27FC236}">
+                <a16:creationId xmlns:a16="http://schemas.microsoft.com/office/drawing/2014/main" id="{A1646104-B0E1-E7FF-99BE-4A5608858C37}"/>
+              </a:ext>
+            </a:extLst>
+          </p:cNvPr>
+          <p:cNvSpPr/>
+          <p:nvPr/>
+        </p:nvSpPr>
+        <p:spPr>
+          <a:xfrm>
+            <a:off x="457200" y="749362"/>
+            <a:ext cx="8238521" cy="3853861"/>
+          </a:xfrm>
+          <a:prstGeom prst="rect">
+            <a:avLst/>
+          </a:prstGeom>
+          <a:solidFill>
+            <a:srgbClr val="4B2E83"/>
+          </a:solidFill>
+          <a:ln>
+            <a:solidFill>
+              <a:srgbClr val="4B2E83"/>
+            </a:solidFill>
+          </a:ln>
+        </p:spPr>
+        <p:style>
+          <a:lnRef idx="2">
+            <a:schemeClr val="accent1">
+              <a:shade val="50000"/>
+            </a:schemeClr>
+          </a:lnRef>
+          <a:fillRef idx="1">
+            <a:schemeClr val="accent1"/>
+          </a:fillRef>
+          <a:effectRef idx="0">
+            <a:schemeClr val="accent1"/>
+          </a:effectRef>
+          <a:fontRef idx="minor">
+            <a:schemeClr val="lt1"/>
+          </a:fontRef>
+        </p:style>
+        <p:txBody>
+          <a:bodyPr rtlCol="0" anchor="ctr"/>
+          <a:lstStyle/>
+          <a:p>
+            <a:pPr algn="ctr"/>
+            <a:endParaRPr lang="en-IN" dirty="0"/>
+          </a:p>
+        </p:txBody>
+      </p:sp>
+      <p:sp>
+        <p:nvSpPr>
+          <p:cNvPr id="4" name="Arrow: Pentagon 3">
+            <a:extLst>
+              <a:ext uri="{FF2B5EF4-FFF2-40B4-BE49-F238E27FC236}">
+                <a16:creationId xmlns:a16="http://schemas.microsoft.com/office/drawing/2014/main" id="{0917A6BB-88C4-186B-B5AC-FD26285D6E89}"/>
+              </a:ext>
+            </a:extLst>
+          </p:cNvPr>
+          <p:cNvSpPr/>
+          <p:nvPr/>
+        </p:nvSpPr>
+        <p:spPr>
+          <a:xfrm>
+            <a:off x="457200" y="749362"/>
+            <a:ext cx="3638099" cy="1229883"/>
+          </a:xfrm>
+          <a:prstGeom prst="homePlate">
+            <a:avLst/>
+          </a:prstGeom>
+          <a:solidFill>
+            <a:srgbClr val="E8E3D3"/>
+          </a:solidFill>
+          <a:ln>
+            <a:solidFill>
+              <a:srgbClr val="4B2E83"/>
+            </a:solidFill>
+          </a:ln>
+        </p:spPr>
+        <p:style>
+          <a:lnRef idx="2">
+            <a:schemeClr val="accent1">
+              <a:shade val="50000"/>
+            </a:schemeClr>
+          </a:lnRef>
+          <a:fillRef idx="1">
+            <a:schemeClr val="accent1"/>
+          </a:fillRef>
+          <a:effectRef idx="0">
+            <a:schemeClr val="accent1"/>
+          </a:effectRef>
+          <a:fontRef idx="minor">
+            <a:schemeClr val="lt1"/>
+          </a:fontRef>
+        </p:style>
+        <p:txBody>
+          <a:bodyPr rtlCol="0" anchor="ctr"/>
+          <a:lstStyle/>
+          <a:p>
+            <a:pPr algn="ctr"/>
+            <a:r>
+              <a:rPr lang="en-IN" dirty="0">
+                <a:solidFill>
+                  <a:srgbClr val="4B2E83"/>
+                </a:solidFill>
+              </a:rPr>
+              <a:t>Stage 1:</a:t>
+            </a:r>
+          </a:p>
+          <a:p>
+            <a:pPr algn="ctr"/>
+            <a:r>
+              <a:rPr lang="en-IN" dirty="0">
+                <a:solidFill>
+                  <a:srgbClr val="4B2E83"/>
+                </a:solidFill>
+              </a:rPr>
+              <a:t> Correlation Analysis</a:t>
+            </a:r>
+          </a:p>
+        </p:txBody>
+      </p:sp>
+      <p:sp>
+        <p:nvSpPr>
+          <p:cNvPr id="5" name="Arrow: Pentagon 4">
+            <a:extLst>
+              <a:ext uri="{FF2B5EF4-FFF2-40B4-BE49-F238E27FC236}">
+                <a16:creationId xmlns:a16="http://schemas.microsoft.com/office/drawing/2014/main" id="{BE6D8322-C27B-D3E5-829A-713FB4A412AD}"/>
+              </a:ext>
+            </a:extLst>
+          </p:cNvPr>
+          <p:cNvSpPr/>
+          <p:nvPr/>
+        </p:nvSpPr>
+        <p:spPr>
+          <a:xfrm>
+            <a:off x="457199" y="1979245"/>
+            <a:ext cx="3638099" cy="1391545"/>
+          </a:xfrm>
+          <a:prstGeom prst="homePlate">
+            <a:avLst/>
+          </a:prstGeom>
+          <a:solidFill>
+            <a:srgbClr val="E8E3D3"/>
+          </a:solidFill>
+          <a:ln>
+            <a:solidFill>
+              <a:srgbClr val="4B2E83"/>
+            </a:solidFill>
+          </a:ln>
+        </p:spPr>
+        <p:style>
+          <a:lnRef idx="2">
+            <a:schemeClr val="accent1">
+              <a:shade val="50000"/>
+            </a:schemeClr>
+          </a:lnRef>
+          <a:fillRef idx="1">
+            <a:schemeClr val="accent1"/>
+          </a:fillRef>
+          <a:effectRef idx="0">
+            <a:schemeClr val="accent1"/>
+          </a:effectRef>
+          <a:fontRef idx="minor">
+            <a:schemeClr val="lt1"/>
+          </a:fontRef>
+        </p:style>
+        <p:txBody>
+          <a:bodyPr rtlCol="0" anchor="ctr"/>
+          <a:lstStyle/>
+          <a:p>
+            <a:pPr algn="ctr"/>
+            <a:r>
+              <a:rPr lang="en-IN" dirty="0">
+                <a:solidFill>
+                  <a:srgbClr val="4B2E83"/>
+                </a:solidFill>
+              </a:rPr>
+              <a:t>Stage 2: </a:t>
+            </a:r>
+          </a:p>
+          <a:p>
+            <a:pPr algn="ctr"/>
+            <a:r>
+              <a:rPr lang="en-IN" dirty="0">
+                <a:solidFill>
+                  <a:srgbClr val="4B2E83"/>
+                </a:solidFill>
+              </a:rPr>
+              <a:t>t-test for average market returns compared to indicator-informed purchase decisions</a:t>
+            </a:r>
+          </a:p>
+        </p:txBody>
+      </p:sp>
+      <p:sp>
+        <p:nvSpPr>
+          <p:cNvPr id="6" name="Arrow: Pentagon 5">
+            <a:extLst>
+              <a:ext uri="{FF2B5EF4-FFF2-40B4-BE49-F238E27FC236}">
+                <a16:creationId xmlns:a16="http://schemas.microsoft.com/office/drawing/2014/main" id="{4371B22F-9439-3D0B-C1E4-3F860411AD11}"/>
+              </a:ext>
+            </a:extLst>
+          </p:cNvPr>
+          <p:cNvSpPr/>
+          <p:nvPr/>
+        </p:nvSpPr>
+        <p:spPr>
+          <a:xfrm>
+            <a:off x="457199" y="3370790"/>
+            <a:ext cx="3638099" cy="1232433"/>
+          </a:xfrm>
+          <a:prstGeom prst="homePlate">
+            <a:avLst/>
+          </a:prstGeom>
+          <a:solidFill>
+            <a:srgbClr val="E8E3D3"/>
+          </a:solidFill>
+          <a:ln>
+            <a:solidFill>
+              <a:srgbClr val="4B2E83"/>
+            </a:solidFill>
+          </a:ln>
+        </p:spPr>
+        <p:style>
+          <a:lnRef idx="2">
+            <a:schemeClr val="accent1">
+              <a:shade val="50000"/>
+            </a:schemeClr>
+          </a:lnRef>
+          <a:fillRef idx="1">
+            <a:schemeClr val="accent1"/>
+          </a:fillRef>
+          <a:effectRef idx="0">
+            <a:schemeClr val="accent1"/>
+          </a:effectRef>
+          <a:fontRef idx="minor">
+            <a:schemeClr val="lt1"/>
+          </a:fontRef>
+        </p:style>
+        <p:txBody>
+          <a:bodyPr rtlCol="0" anchor="ctr"/>
+          <a:lstStyle/>
+          <a:p>
+            <a:pPr algn="ctr"/>
+            <a:r>
+              <a:rPr lang="en-IN" dirty="0">
+                <a:solidFill>
+                  <a:srgbClr val="4B2E83"/>
+                </a:solidFill>
+              </a:rPr>
+              <a:t>Stage 3:</a:t>
+            </a:r>
+          </a:p>
+          <a:p>
+            <a:pPr algn="ctr"/>
+            <a:r>
+              <a:rPr lang="en-IN" dirty="0">
+                <a:solidFill>
+                  <a:srgbClr val="4B2E83"/>
+                </a:solidFill>
+              </a:rPr>
+              <a:t> Linear Regression to predict price rolling averages</a:t>
+            </a:r>
+          </a:p>
+        </p:txBody>
+      </p:sp>
+      <p:cxnSp>
+        <p:nvCxnSpPr>
+          <p:cNvPr id="8" name="Straight Connector 7">
+            <a:extLst>
+              <a:ext uri="{FF2B5EF4-FFF2-40B4-BE49-F238E27FC236}">
+                <a16:creationId xmlns:a16="http://schemas.microsoft.com/office/drawing/2014/main" id="{3E885E0F-40DB-ABB0-FF9D-63A1CB81B7A1}"/>
+              </a:ext>
+            </a:extLst>
+          </p:cNvPr>
+          <p:cNvCxnSpPr>
+            <a:cxnSpLocks/>
+          </p:cNvCxnSpPr>
+          <p:nvPr/>
+        </p:nvCxnSpPr>
+        <p:spPr>
+          <a:xfrm>
+            <a:off x="3393247" y="1979245"/>
+            <a:ext cx="5302474" cy="0"/>
+          </a:xfrm>
+          <a:prstGeom prst="line">
+            <a:avLst/>
+          </a:prstGeom>
+          <a:ln w="28575">
+            <a:solidFill>
+              <a:srgbClr val="E8E3D3"/>
+            </a:solidFill>
+          </a:ln>
+        </p:spPr>
+        <p:style>
+          <a:lnRef idx="1">
+            <a:schemeClr val="accent1"/>
+          </a:lnRef>
+          <a:fillRef idx="0">
+            <a:schemeClr val="accent1"/>
+          </a:fillRef>
+          <a:effectRef idx="0">
+            <a:schemeClr val="accent1"/>
+          </a:effectRef>
+          <a:fontRef idx="minor">
+            <a:schemeClr val="tx1"/>
+          </a:fontRef>
+        </p:style>
+      </p:cxnSp>
+      <p:cxnSp>
+        <p:nvCxnSpPr>
+          <p:cNvPr id="10" name="Straight Connector 9">
+            <a:extLst>
+              <a:ext uri="{FF2B5EF4-FFF2-40B4-BE49-F238E27FC236}">
+                <a16:creationId xmlns:a16="http://schemas.microsoft.com/office/drawing/2014/main" id="{D2EFC0C2-3A03-744E-8789-7682989EB30D}"/>
+              </a:ext>
+            </a:extLst>
+          </p:cNvPr>
+          <p:cNvCxnSpPr>
+            <a:cxnSpLocks/>
+          </p:cNvCxnSpPr>
+          <p:nvPr/>
+        </p:nvCxnSpPr>
+        <p:spPr>
+          <a:xfrm>
+            <a:off x="3393247" y="3365946"/>
+            <a:ext cx="5302474" cy="0"/>
+          </a:xfrm>
+          <a:prstGeom prst="line">
+            <a:avLst/>
+          </a:prstGeom>
+          <a:ln w="28575">
+            <a:solidFill>
+              <a:srgbClr val="E8E3D3"/>
+            </a:solidFill>
+          </a:ln>
+        </p:spPr>
+        <p:style>
+          <a:lnRef idx="1">
+            <a:schemeClr val="accent1"/>
+          </a:lnRef>
+          <a:fillRef idx="0">
+            <a:schemeClr val="accent1"/>
+          </a:fillRef>
+          <a:effectRef idx="0">
+            <a:schemeClr val="accent1"/>
+          </a:effectRef>
+          <a:fontRef idx="minor">
+            <a:schemeClr val="tx1"/>
+          </a:fontRef>
+        </p:style>
+      </p:cxnSp>
+      <p:sp>
+        <p:nvSpPr>
+          <p:cNvPr id="11" name="TextBox 10">
+            <a:extLst>
+              <a:ext uri="{FF2B5EF4-FFF2-40B4-BE49-F238E27FC236}">
+                <a16:creationId xmlns:a16="http://schemas.microsoft.com/office/drawing/2014/main" id="{B9452ACC-9CB5-E446-8859-88ACF1CCCA07}"/>
+              </a:ext>
+            </a:extLst>
+          </p:cNvPr>
+          <p:cNvSpPr txBox="1"/>
+          <p:nvPr/>
+        </p:nvSpPr>
+        <p:spPr>
+          <a:xfrm>
+            <a:off x="4203640" y="975071"/>
+            <a:ext cx="4316315" cy="523220"/>
+          </a:xfrm>
+          <a:prstGeom prst="rect">
+            <a:avLst/>
+          </a:prstGeom>
+          <a:noFill/>
+        </p:spPr>
+        <p:txBody>
+          <a:bodyPr wrap="square" rtlCol="0">
+            <a:spAutoFit/>
+          </a:bodyPr>
+          <a:lstStyle/>
+          <a:p>
+            <a:r>
+              <a:rPr lang="en-IN" dirty="0">
+                <a:solidFill>
+                  <a:srgbClr val="E8E3D3"/>
+                </a:solidFill>
+              </a:rPr>
+              <a:t>Observe correlation strength between different indicators and the stock price across stocks</a:t>
+            </a:r>
+          </a:p>
+        </p:txBody>
+      </p:sp>
+      <p:sp>
+        <p:nvSpPr>
+          <p:cNvPr id="12" name="TextBox 11">
+            <a:extLst>
+              <a:ext uri="{FF2B5EF4-FFF2-40B4-BE49-F238E27FC236}">
+                <a16:creationId xmlns:a16="http://schemas.microsoft.com/office/drawing/2014/main" id="{35EE53B2-ED6E-91B9-A49B-695E8F949878}"/>
+              </a:ext>
+            </a:extLst>
+          </p:cNvPr>
+          <p:cNvSpPr txBox="1"/>
+          <p:nvPr/>
+        </p:nvSpPr>
+        <p:spPr>
+          <a:xfrm>
+            <a:off x="4156143" y="2410986"/>
+            <a:ext cx="4316315" cy="523220"/>
+          </a:xfrm>
+          <a:prstGeom prst="rect">
+            <a:avLst/>
+          </a:prstGeom>
+          <a:noFill/>
+        </p:spPr>
+        <p:txBody>
+          <a:bodyPr wrap="square" rtlCol="0">
+            <a:spAutoFit/>
+          </a:bodyPr>
+          <a:lstStyle/>
+          <a:p>
+            <a:r>
+              <a:rPr lang="en-IN" dirty="0">
+                <a:solidFill>
+                  <a:srgbClr val="E8E3D3"/>
+                </a:solidFill>
+              </a:rPr>
+              <a:t>Establish whether using indicators to purchase stocks is a better strategy than investing in an index</a:t>
+            </a:r>
+          </a:p>
+        </p:txBody>
+      </p:sp>
+      <p:sp>
+        <p:nvSpPr>
+          <p:cNvPr id="13" name="TextBox 12">
+            <a:extLst>
+              <a:ext uri="{FF2B5EF4-FFF2-40B4-BE49-F238E27FC236}">
+                <a16:creationId xmlns:a16="http://schemas.microsoft.com/office/drawing/2014/main" id="{80553CB5-2DE4-1AFD-B754-BFA32C000946}"/>
+              </a:ext>
+            </a:extLst>
+          </p:cNvPr>
+          <p:cNvSpPr txBox="1"/>
+          <p:nvPr/>
+        </p:nvSpPr>
+        <p:spPr>
+          <a:xfrm>
+            <a:off x="4156143" y="3617674"/>
+            <a:ext cx="4316315" cy="738664"/>
+          </a:xfrm>
+          <a:prstGeom prst="rect">
+            <a:avLst/>
+          </a:prstGeom>
+          <a:noFill/>
+        </p:spPr>
+        <p:txBody>
+          <a:bodyPr wrap="square" rtlCol="0">
+            <a:spAutoFit/>
+          </a:bodyPr>
+          <a:lstStyle/>
+          <a:p>
+            <a:r>
+              <a:rPr lang="en-IN" dirty="0">
+                <a:solidFill>
+                  <a:srgbClr val="E8E3D3"/>
+                </a:solidFill>
+              </a:rPr>
+              <a:t>Predict future prices based on indicator data and past prices. Evaluate whether a strong relationship exists between the predictors and the stock prices.</a:t>
+            </a:r>
           </a:p>
         </p:txBody>
       </p:sp>
@@ -9212,7 +11971,7 @@
 </p:sld>
 </file>
 
-<file path=ppt/slides/slide5.xml><?xml version="1.0" encoding="utf-8"?>
+<file path=ppt/slides/slide7.xml><?xml version="1.0" encoding="utf-8"?>
 <p:sld xmlns:a="http://schemas.openxmlformats.org/drawingml/2006/main" xmlns:r="http://schemas.openxmlformats.org/officeDocument/2006/relationships" xmlns:p="http://schemas.openxmlformats.org/presentationml/2006/main" show="0">
   <p:cSld>
     <p:spTree>
@@ -9483,7 +12242,7 @@
             </a:pPr>
             <a:fld id="{00000000-1234-1234-1234-123412341234}" type="slidenum">
               <a:rPr lang="en" smtClean="0"/>
-              <a:t>5</a:t>
+              <a:t>7</a:t>
             </a:fld>
             <a:endParaRPr lang="en"/>
           </a:p>
@@ -9497,7 +12256,7 @@
 </p:sld>
 </file>
 
-<file path=ppt/slides/slide6.xml><?xml version="1.0" encoding="utf-8"?>
+<file path=ppt/slides/slide8.xml><?xml version="1.0" encoding="utf-8"?>
 <p:sld xmlns:a="http://schemas.openxmlformats.org/drawingml/2006/main" xmlns:r="http://schemas.openxmlformats.org/officeDocument/2006/relationships" xmlns:p="http://schemas.openxmlformats.org/presentationml/2006/main" show="0">
   <p:cSld>
     <p:spTree>
@@ -9787,7 +12546,7 @@
             </a:pPr>
             <a:fld id="{00000000-1234-1234-1234-123412341234}" type="slidenum">
               <a:rPr lang="en" smtClean="0"/>
-              <a:t>6</a:t>
+              <a:t>8</a:t>
             </a:fld>
             <a:endParaRPr lang="en"/>
           </a:p>
@@ -9801,7 +12560,7 @@
 </p:sld>
 </file>
 
-<file path=ppt/slides/slide7.xml><?xml version="1.0" encoding="utf-8"?>
+<file path=ppt/slides/slide9.xml><?xml version="1.0" encoding="utf-8"?>
 <p:sld xmlns:a="http://schemas.openxmlformats.org/drawingml/2006/main" xmlns:r="http://schemas.openxmlformats.org/officeDocument/2006/relationships" xmlns:p="http://schemas.openxmlformats.org/presentationml/2006/main" show="0">
   <p:cSld>
     <p:spTree>
@@ -10088,646 +12847,13 @@
             </a:pPr>
             <a:fld id="{00000000-1234-1234-1234-123412341234}" type="slidenum">
               <a:rPr lang="en" smtClean="0"/>
-              <a:t>7</a:t>
+              <a:t>9</a:t>
             </a:fld>
             <a:endParaRPr lang="en"/>
           </a:p>
         </p:txBody>
       </p:sp>
     </p:spTree>
-  </p:cSld>
-  <p:clrMapOvr>
-    <a:masterClrMapping/>
-  </p:clrMapOvr>
-</p:sld>
-</file>
-
-<file path=ppt/slides/slide8.xml><?xml version="1.0" encoding="utf-8"?>
-<p:sld xmlns:a="http://schemas.openxmlformats.org/drawingml/2006/main" xmlns:r="http://schemas.openxmlformats.org/officeDocument/2006/relationships" xmlns:p="http://schemas.openxmlformats.org/presentationml/2006/main" show="0">
-  <p:cSld>
-    <p:spTree>
-      <p:nvGrpSpPr>
-        <p:cNvPr id="1" name="Shape 93"/>
-        <p:cNvGrpSpPr/>
-        <p:nvPr/>
-      </p:nvGrpSpPr>
-      <p:grpSpPr>
-        <a:xfrm>
-          <a:off x="0" y="0"/>
-          <a:ext cx="0" cy="0"/>
-          <a:chOff x="0" y="0"/>
-          <a:chExt cx="0" cy="0"/>
-        </a:xfrm>
-      </p:grpSpPr>
-      <p:sp>
-        <p:nvSpPr>
-          <p:cNvPr id="94" name="Google Shape;94;p19"/>
-          <p:cNvSpPr txBox="1"/>
-          <p:nvPr/>
-        </p:nvSpPr>
-        <p:spPr>
-          <a:xfrm>
-            <a:off x="457200" y="126000"/>
-            <a:ext cx="7295700" cy="461700"/>
-          </a:xfrm>
-          <a:prstGeom prst="rect">
-            <a:avLst/>
-          </a:prstGeom>
-          <a:noFill/>
-          <a:ln>
-            <a:noFill/>
-          </a:ln>
-        </p:spPr>
-        <p:txBody>
-          <a:bodyPr spcFirstLastPara="1" wrap="square" lIns="91425" tIns="91425" rIns="91425" bIns="91425" anchor="t" anchorCtr="0">
-            <a:spAutoFit/>
-          </a:bodyPr>
-          <a:lstStyle/>
-          <a:p>
-            <a:pPr marL="0" lvl="0" indent="0" algn="l" rtl="0">
-              <a:spcBef>
-                <a:spcPts val="0"/>
-              </a:spcBef>
-              <a:spcAft>
-                <a:spcPts val="0"/>
-              </a:spcAft>
-              <a:buNone/>
-            </a:pPr>
-            <a:r>
-              <a:rPr lang="en" sz="1800" b="1" dirty="0">
-                <a:latin typeface="Calibri" panose="020F0502020204030204" pitchFamily="34" charset="0"/>
-                <a:ea typeface="Calibri" panose="020F0502020204030204" pitchFamily="34" charset="0"/>
-                <a:cs typeface="Calibri" panose="020F0502020204030204" pitchFamily="34" charset="0"/>
-              </a:rPr>
-              <a:t>DESCRIPTION OF THE INDICATORS</a:t>
-            </a:r>
-            <a:endParaRPr sz="1800" b="1" dirty="0">
-              <a:latin typeface="Calibri" panose="020F0502020204030204" pitchFamily="34" charset="0"/>
-              <a:ea typeface="Calibri" panose="020F0502020204030204" pitchFamily="34" charset="0"/>
-              <a:cs typeface="Calibri" panose="020F0502020204030204" pitchFamily="34" charset="0"/>
-            </a:endParaRPr>
-          </a:p>
-        </p:txBody>
-      </p:sp>
-      <p:sp>
-        <p:nvSpPr>
-          <p:cNvPr id="95" name="Google Shape;95;p19"/>
-          <p:cNvSpPr txBox="1"/>
-          <p:nvPr/>
-        </p:nvSpPr>
-        <p:spPr>
-          <a:xfrm>
-            <a:off x="457213" y="605750"/>
-            <a:ext cx="7830900" cy="1908184"/>
-          </a:xfrm>
-          <a:prstGeom prst="rect">
-            <a:avLst/>
-          </a:prstGeom>
-          <a:noFill/>
-          <a:ln>
-            <a:noFill/>
-          </a:ln>
-        </p:spPr>
-        <p:txBody>
-          <a:bodyPr spcFirstLastPara="1" wrap="square" lIns="91425" tIns="91425" rIns="91425" bIns="91425" anchor="t" anchorCtr="0">
-            <a:spAutoFit/>
-          </a:bodyPr>
-          <a:lstStyle/>
-          <a:p>
-            <a:pPr marL="419100" lvl="0" indent="-285750" algn="l" rtl="0">
-              <a:spcBef>
-                <a:spcPts val="0"/>
-              </a:spcBef>
-              <a:spcAft>
-                <a:spcPts val="0"/>
-              </a:spcAft>
-              <a:buSzPts val="1500"/>
-              <a:buFont typeface="Arial" panose="020B0604020202020204" pitchFamily="34" charset="0"/>
-              <a:buChar char="•"/>
-            </a:pPr>
-            <a:r>
-              <a:rPr lang="en" sz="1600" b="1" dirty="0">
-                <a:latin typeface="Calibri" panose="020F0502020204030204" pitchFamily="34" charset="0"/>
-                <a:ea typeface="Calibri" panose="020F0502020204030204" pitchFamily="34" charset="0"/>
-                <a:cs typeface="Calibri" panose="020F0502020204030204" pitchFamily="34" charset="0"/>
-              </a:rPr>
-              <a:t>MACD (</a:t>
-            </a:r>
-            <a:r>
-              <a:rPr lang="en" sz="1600" b="1" dirty="0">
-                <a:solidFill>
-                  <a:schemeClr val="dk1"/>
-                </a:solidFill>
-                <a:latin typeface="Calibri" panose="020F0502020204030204" pitchFamily="34" charset="0"/>
-                <a:ea typeface="Calibri" panose="020F0502020204030204" pitchFamily="34" charset="0"/>
-                <a:cs typeface="Calibri" panose="020F0502020204030204" pitchFamily="34" charset="0"/>
-              </a:rPr>
-              <a:t>Moving Average Convergence Divergence</a:t>
-            </a:r>
-            <a:r>
-              <a:rPr lang="en" sz="1600" b="1" dirty="0">
-                <a:latin typeface="Calibri" panose="020F0502020204030204" pitchFamily="34" charset="0"/>
-                <a:ea typeface="Calibri" panose="020F0502020204030204" pitchFamily="34" charset="0"/>
-                <a:cs typeface="Calibri" panose="020F0502020204030204" pitchFamily="34" charset="0"/>
-              </a:rPr>
-              <a:t>)</a:t>
-            </a:r>
-            <a:r>
-              <a:rPr lang="en" sz="1600" dirty="0">
-                <a:latin typeface="Calibri" panose="020F0502020204030204" pitchFamily="34" charset="0"/>
-                <a:ea typeface="Calibri" panose="020F0502020204030204" pitchFamily="34" charset="0"/>
-                <a:cs typeface="Calibri" panose="020F0502020204030204" pitchFamily="34" charset="0"/>
-              </a:rPr>
-              <a:t>:</a:t>
-            </a:r>
-            <a:endParaRPr sz="1600" dirty="0">
-              <a:latin typeface="Calibri" panose="020F0502020204030204" pitchFamily="34" charset="0"/>
-              <a:ea typeface="Calibri" panose="020F0502020204030204" pitchFamily="34" charset="0"/>
-              <a:cs typeface="Calibri" panose="020F0502020204030204" pitchFamily="34" charset="0"/>
-            </a:endParaRPr>
-          </a:p>
-          <a:p>
-            <a:pPr marL="889000" lvl="1" indent="-285750" algn="l" rtl="0">
-              <a:spcBef>
-                <a:spcPts val="0"/>
-              </a:spcBef>
-              <a:spcAft>
-                <a:spcPts val="0"/>
-              </a:spcAft>
-              <a:buSzPts val="1300"/>
-              <a:buFont typeface="Arial" panose="020B0604020202020204" pitchFamily="34" charset="0"/>
-              <a:buChar char="•"/>
-            </a:pPr>
-            <a:r>
-              <a:rPr lang="en" sz="1600" dirty="0">
-                <a:latin typeface="Calibri" panose="020F0502020204030204" pitchFamily="34" charset="0"/>
-                <a:ea typeface="Calibri" panose="020F0502020204030204" pitchFamily="34" charset="0"/>
-                <a:cs typeface="Calibri" panose="020F0502020204030204" pitchFamily="34" charset="0"/>
-              </a:rPr>
-              <a:t>Identify trends and potential trend reversals in stock prices.</a:t>
-            </a:r>
-            <a:endParaRPr sz="1600" dirty="0">
-              <a:latin typeface="Calibri" panose="020F0502020204030204" pitchFamily="34" charset="0"/>
-              <a:ea typeface="Calibri" panose="020F0502020204030204" pitchFamily="34" charset="0"/>
-              <a:cs typeface="Calibri" panose="020F0502020204030204" pitchFamily="34" charset="0"/>
-            </a:endParaRPr>
-          </a:p>
-          <a:p>
-            <a:pPr marL="889000" lvl="1" indent="-285750" algn="l" rtl="0">
-              <a:spcBef>
-                <a:spcPts val="0"/>
-              </a:spcBef>
-              <a:spcAft>
-                <a:spcPts val="0"/>
-              </a:spcAft>
-              <a:buSzPts val="1300"/>
-              <a:buFont typeface="Arial" panose="020B0604020202020204" pitchFamily="34" charset="0"/>
-              <a:buChar char="•"/>
-            </a:pPr>
-            <a:r>
-              <a:rPr lang="en" sz="1600" dirty="0">
-                <a:latin typeface="Calibri" panose="020F0502020204030204" pitchFamily="34" charset="0"/>
-                <a:ea typeface="Calibri" panose="020F0502020204030204" pitchFamily="34" charset="0"/>
-                <a:cs typeface="Calibri" panose="020F0502020204030204" pitchFamily="34" charset="0"/>
-              </a:rPr>
-              <a:t>Calculated using two moving averages and a histogram.</a:t>
-            </a:r>
-            <a:endParaRPr sz="1600" dirty="0">
-              <a:latin typeface="Calibri" panose="020F0502020204030204" pitchFamily="34" charset="0"/>
-              <a:ea typeface="Calibri" panose="020F0502020204030204" pitchFamily="34" charset="0"/>
-              <a:cs typeface="Calibri" panose="020F0502020204030204" pitchFamily="34" charset="0"/>
-            </a:endParaRPr>
-          </a:p>
-          <a:p>
-            <a:pPr marL="889000" lvl="1" indent="-285750" algn="l" rtl="0">
-              <a:spcBef>
-                <a:spcPts val="0"/>
-              </a:spcBef>
-              <a:spcAft>
-                <a:spcPts val="0"/>
-              </a:spcAft>
-              <a:buSzPts val="1300"/>
-              <a:buFont typeface="Arial" panose="020B0604020202020204" pitchFamily="34" charset="0"/>
-              <a:buChar char="•"/>
-            </a:pPr>
-            <a:r>
-              <a:rPr lang="en" sz="1600" dirty="0">
-                <a:latin typeface="Calibri" panose="020F0502020204030204" pitchFamily="34" charset="0"/>
-                <a:ea typeface="Calibri" panose="020F0502020204030204" pitchFamily="34" charset="0"/>
-                <a:cs typeface="Calibri" panose="020F0502020204030204" pitchFamily="34" charset="0"/>
-              </a:rPr>
-              <a:t>A </a:t>
-            </a:r>
-            <a:r>
-              <a:rPr lang="en" sz="1600" b="1" dirty="0">
-                <a:latin typeface="Calibri" panose="020F0502020204030204" pitchFamily="34" charset="0"/>
-                <a:ea typeface="Calibri" panose="020F0502020204030204" pitchFamily="34" charset="0"/>
-                <a:cs typeface="Calibri" panose="020F0502020204030204" pitchFamily="34" charset="0"/>
-              </a:rPr>
-              <a:t>positive</a:t>
-            </a:r>
-            <a:r>
-              <a:rPr lang="en" sz="1600" dirty="0">
-                <a:latin typeface="Calibri" panose="020F0502020204030204" pitchFamily="34" charset="0"/>
-                <a:ea typeface="Calibri" panose="020F0502020204030204" pitchFamily="34" charset="0"/>
-                <a:cs typeface="Calibri" panose="020F0502020204030204" pitchFamily="34" charset="0"/>
-              </a:rPr>
-              <a:t> histogram indicates that the MACD Line is above the Signal Line, indicating </a:t>
-            </a:r>
-            <a:r>
-              <a:rPr lang="en" sz="1600" b="1" dirty="0">
-                <a:latin typeface="Calibri" panose="020F0502020204030204" pitchFamily="34" charset="0"/>
-                <a:ea typeface="Calibri" panose="020F0502020204030204" pitchFamily="34" charset="0"/>
-                <a:cs typeface="Calibri" panose="020F0502020204030204" pitchFamily="34" charset="0"/>
-              </a:rPr>
-              <a:t>upward</a:t>
-            </a:r>
-            <a:r>
-              <a:rPr lang="en" sz="1600" dirty="0">
-                <a:latin typeface="Calibri" panose="020F0502020204030204" pitchFamily="34" charset="0"/>
-                <a:ea typeface="Calibri" panose="020F0502020204030204" pitchFamily="34" charset="0"/>
-                <a:cs typeface="Calibri" panose="020F0502020204030204" pitchFamily="34" charset="0"/>
-              </a:rPr>
-              <a:t> momentum, while a </a:t>
-            </a:r>
-            <a:r>
-              <a:rPr lang="en" sz="1600" b="1" dirty="0">
-                <a:latin typeface="Calibri" panose="020F0502020204030204" pitchFamily="34" charset="0"/>
-                <a:ea typeface="Calibri" panose="020F0502020204030204" pitchFamily="34" charset="0"/>
-                <a:cs typeface="Calibri" panose="020F0502020204030204" pitchFamily="34" charset="0"/>
-              </a:rPr>
-              <a:t>negative</a:t>
-            </a:r>
-            <a:r>
-              <a:rPr lang="en" sz="1600" dirty="0">
-                <a:latin typeface="Calibri" panose="020F0502020204030204" pitchFamily="34" charset="0"/>
-                <a:ea typeface="Calibri" panose="020F0502020204030204" pitchFamily="34" charset="0"/>
-                <a:cs typeface="Calibri" panose="020F0502020204030204" pitchFamily="34" charset="0"/>
-              </a:rPr>
-              <a:t> histogram indicates </a:t>
-            </a:r>
-            <a:r>
-              <a:rPr lang="en" sz="1600" b="1" dirty="0">
-                <a:latin typeface="Calibri" panose="020F0502020204030204" pitchFamily="34" charset="0"/>
-                <a:ea typeface="Calibri" panose="020F0502020204030204" pitchFamily="34" charset="0"/>
-                <a:cs typeface="Calibri" panose="020F0502020204030204" pitchFamily="34" charset="0"/>
-              </a:rPr>
-              <a:t>downward</a:t>
-            </a:r>
-            <a:r>
-              <a:rPr lang="en" sz="1600" dirty="0">
-                <a:latin typeface="Calibri" panose="020F0502020204030204" pitchFamily="34" charset="0"/>
-                <a:ea typeface="Calibri" panose="020F0502020204030204" pitchFamily="34" charset="0"/>
-                <a:cs typeface="Calibri" panose="020F0502020204030204" pitchFamily="34" charset="0"/>
-              </a:rPr>
-              <a:t> momentum.</a:t>
-            </a:r>
-          </a:p>
-          <a:p>
-            <a:pPr marL="889000" lvl="1" indent="-285750" algn="l" rtl="0">
-              <a:spcBef>
-                <a:spcPts val="0"/>
-              </a:spcBef>
-              <a:spcAft>
-                <a:spcPts val="0"/>
-              </a:spcAft>
-              <a:buSzPts val="1300"/>
-              <a:buFont typeface="Arial" panose="020B0604020202020204" pitchFamily="34" charset="0"/>
-              <a:buChar char="•"/>
-            </a:pPr>
-            <a:r>
-              <a:rPr lang="en" sz="1600" dirty="0">
-                <a:latin typeface="Calibri" panose="020F0502020204030204" pitchFamily="34" charset="0"/>
-                <a:ea typeface="Calibri" panose="020F0502020204030204" pitchFamily="34" charset="0"/>
-                <a:cs typeface="Calibri" panose="020F0502020204030204" pitchFamily="34" charset="0"/>
-              </a:rPr>
-              <a:t>A</a:t>
-            </a:r>
-            <a:r>
-              <a:rPr lang="en-IN" sz="1600" dirty="0">
-                <a:latin typeface="Calibri" panose="020F0502020204030204" pitchFamily="34" charset="0"/>
-                <a:ea typeface="Calibri" panose="020F0502020204030204" pitchFamily="34" charset="0"/>
-                <a:cs typeface="Calibri" panose="020F0502020204030204" pitchFamily="34" charset="0"/>
-              </a:rPr>
-              <a:t>n</a:t>
-            </a:r>
-            <a:r>
-              <a:rPr lang="en" sz="1600" dirty="0">
-                <a:latin typeface="Calibri" panose="020F0502020204030204" pitchFamily="34" charset="0"/>
-                <a:ea typeface="Calibri" panose="020F0502020204030204" pitchFamily="34" charset="0"/>
-                <a:cs typeface="Calibri" panose="020F0502020204030204" pitchFamily="34" charset="0"/>
-              </a:rPr>
-              <a:t>alyze golden cross and death cross and if their impact is overrated. </a:t>
-            </a:r>
-            <a:endParaRPr sz="1600" dirty="0">
-              <a:latin typeface="Calibri" panose="020F0502020204030204" pitchFamily="34" charset="0"/>
-              <a:ea typeface="Calibri" panose="020F0502020204030204" pitchFamily="34" charset="0"/>
-              <a:cs typeface="Calibri" panose="020F0502020204030204" pitchFamily="34" charset="0"/>
-            </a:endParaRPr>
-          </a:p>
-        </p:txBody>
-      </p:sp>
-      <p:pic>
-        <p:nvPicPr>
-          <p:cNvPr id="96" name="Google Shape;96;p19"/>
-          <p:cNvPicPr preferRelativeResize="0"/>
-          <p:nvPr/>
-        </p:nvPicPr>
-        <p:blipFill>
-          <a:blip r:embed="rId3">
-            <a:alphaModFix/>
-          </a:blip>
-          <a:stretch>
-            <a:fillRect/>
-          </a:stretch>
-        </p:blipFill>
-        <p:spPr>
-          <a:xfrm>
-            <a:off x="1938140" y="2729023"/>
-            <a:ext cx="4972211" cy="2099976"/>
-          </a:xfrm>
-          <a:prstGeom prst="rect">
-            <a:avLst/>
-          </a:prstGeom>
-          <a:noFill/>
-          <a:ln>
-            <a:noFill/>
-          </a:ln>
-        </p:spPr>
-      </p:pic>
-      <p:sp>
-        <p:nvSpPr>
-          <p:cNvPr id="2" name="Slide Number Placeholder 1">
-            <a:extLst>
-              <a:ext uri="{FF2B5EF4-FFF2-40B4-BE49-F238E27FC236}">
-                <a16:creationId xmlns:a16="http://schemas.microsoft.com/office/drawing/2014/main" id="{A95E032B-DDE3-5BF6-A593-55B059F70614}"/>
-              </a:ext>
-            </a:extLst>
-          </p:cNvPr>
-          <p:cNvSpPr>
-            <a:spLocks noGrp="1"/>
-          </p:cNvSpPr>
-          <p:nvPr>
-            <p:ph type="sldNum" idx="12"/>
-          </p:nvPr>
-        </p:nvSpPr>
-        <p:spPr/>
-        <p:txBody>
-          <a:bodyPr/>
-          <a:lstStyle/>
-          <a:p>
-            <a:pPr marL="0" lvl="0" indent="0" algn="r" rtl="0">
-              <a:spcBef>
-                <a:spcPts val="0"/>
-              </a:spcBef>
-              <a:spcAft>
-                <a:spcPts val="0"/>
-              </a:spcAft>
-              <a:buNone/>
-            </a:pPr>
-            <a:fld id="{00000000-1234-1234-1234-123412341234}" type="slidenum">
-              <a:rPr lang="en" smtClean="0"/>
-              <a:t>8</a:t>
-            </a:fld>
-            <a:endParaRPr lang="en"/>
-          </a:p>
-        </p:txBody>
-      </p:sp>
-    </p:spTree>
-  </p:cSld>
-  <p:clrMapOvr>
-    <a:masterClrMapping/>
-  </p:clrMapOvr>
-</p:sld>
-</file>
-
-<file path=ppt/slides/slide9.xml><?xml version="1.0" encoding="utf-8"?>
-<p:sld xmlns:a="http://schemas.openxmlformats.org/drawingml/2006/main" xmlns:r="http://schemas.openxmlformats.org/officeDocument/2006/relationships" xmlns:p="http://schemas.openxmlformats.org/presentationml/2006/main">
-  <p:cSld>
-    <p:spTree>
-      <p:nvGrpSpPr>
-        <p:cNvPr id="1" name="Shape 100"/>
-        <p:cNvGrpSpPr/>
-        <p:nvPr/>
-      </p:nvGrpSpPr>
-      <p:grpSpPr>
-        <a:xfrm>
-          <a:off x="0" y="0"/>
-          <a:ext cx="0" cy="0"/>
-          <a:chOff x="0" y="0"/>
-          <a:chExt cx="0" cy="0"/>
-        </a:xfrm>
-      </p:grpSpPr>
-      <p:sp>
-        <p:nvSpPr>
-          <p:cNvPr id="101" name="Google Shape;101;p20"/>
-          <p:cNvSpPr txBox="1">
-            <a:spLocks noGrp="1"/>
-          </p:cNvSpPr>
-          <p:nvPr>
-            <p:ph type="title"/>
-          </p:nvPr>
-        </p:nvSpPr>
-        <p:spPr>
-          <a:xfrm>
-            <a:off x="457200" y="126000"/>
-            <a:ext cx="8520600" cy="572700"/>
-          </a:xfrm>
-          <a:prstGeom prst="rect">
-            <a:avLst/>
-          </a:prstGeom>
-        </p:spPr>
-        <p:txBody>
-          <a:bodyPr spcFirstLastPara="1" wrap="square" lIns="91425" tIns="91425" rIns="91425" bIns="91425" anchor="t" anchorCtr="0">
-            <a:normAutofit/>
-          </a:bodyPr>
-          <a:lstStyle/>
-          <a:p>
-            <a:pPr marL="0" lvl="0" indent="0" algn="l" rtl="0">
-              <a:spcBef>
-                <a:spcPts val="0"/>
-              </a:spcBef>
-              <a:spcAft>
-                <a:spcPts val="0"/>
-              </a:spcAft>
-              <a:buNone/>
-            </a:pPr>
-            <a:r>
-              <a:rPr lang="en" sz="1800" b="1" dirty="0">
-                <a:latin typeface="Calibri" panose="020F0502020204030204" pitchFamily="34" charset="0"/>
-                <a:ea typeface="Calibri" panose="020F0502020204030204" pitchFamily="34" charset="0"/>
-                <a:cs typeface="Calibri" panose="020F0502020204030204" pitchFamily="34" charset="0"/>
-              </a:rPr>
-              <a:t>Question 1 - Assumptions</a:t>
-            </a:r>
-            <a:endParaRPr sz="1800" b="1" dirty="0">
-              <a:latin typeface="Calibri" panose="020F0502020204030204" pitchFamily="34" charset="0"/>
-              <a:ea typeface="Calibri" panose="020F0502020204030204" pitchFamily="34" charset="0"/>
-              <a:cs typeface="Calibri" panose="020F0502020204030204" pitchFamily="34" charset="0"/>
-            </a:endParaRPr>
-          </a:p>
-        </p:txBody>
-      </p:sp>
-      <p:sp>
-        <p:nvSpPr>
-          <p:cNvPr id="102" name="Google Shape;102;p20"/>
-          <p:cNvSpPr txBox="1">
-            <a:spLocks noGrp="1"/>
-          </p:cNvSpPr>
-          <p:nvPr>
-            <p:ph type="body" idx="1"/>
-          </p:nvPr>
-        </p:nvSpPr>
-        <p:spPr>
-          <a:xfrm>
-            <a:off x="311700" y="815163"/>
-            <a:ext cx="8520600" cy="3753712"/>
-          </a:xfrm>
-          <a:prstGeom prst="rect">
-            <a:avLst/>
-          </a:prstGeom>
-        </p:spPr>
-        <p:txBody>
-          <a:bodyPr spcFirstLastPara="1" wrap="square" lIns="91425" tIns="91425" rIns="91425" bIns="91425" anchor="t" anchorCtr="0">
-            <a:normAutofit/>
-          </a:bodyPr>
-          <a:lstStyle/>
-          <a:p>
-            <a:pPr marL="457200" lvl="0" indent="-342900" algn="l" rtl="0">
-              <a:spcBef>
-                <a:spcPts val="0"/>
-              </a:spcBef>
-              <a:spcAft>
-                <a:spcPts val="0"/>
-              </a:spcAft>
-              <a:buClrTx/>
-              <a:buSzPts val="1800"/>
-              <a:buAutoNum type="arabicPeriod"/>
-            </a:pPr>
-            <a:r>
-              <a:rPr lang="en" sz="1600" dirty="0">
-                <a:solidFill>
-                  <a:schemeClr val="tx1"/>
-                </a:solidFill>
-                <a:latin typeface="Calibri" panose="020F0502020204030204" pitchFamily="34" charset="0"/>
-                <a:ea typeface="Calibri" panose="020F0502020204030204" pitchFamily="34" charset="0"/>
-                <a:cs typeface="Calibri" panose="020F0502020204030204" pitchFamily="34" charset="0"/>
-              </a:rPr>
-              <a:t>Determine which factors influence the price of a stock, and their respective influence on stock performance (ANOVA)</a:t>
-            </a:r>
-            <a:endParaRPr lang="en-US" sz="1200" dirty="0">
-              <a:solidFill>
-                <a:schemeClr val="tx1"/>
-              </a:solidFill>
-              <a:latin typeface="Calibri" panose="020F0502020204030204" pitchFamily="34" charset="0"/>
-              <a:ea typeface="Calibri" panose="020F0502020204030204" pitchFamily="34" charset="0"/>
-              <a:cs typeface="Calibri" panose="020F0502020204030204" pitchFamily="34" charset="0"/>
-            </a:endParaRPr>
-          </a:p>
-          <a:p>
-            <a:pPr marL="742950" lvl="1" indent="-171450">
-              <a:buClrTx/>
-              <a:buSzPts val="1800"/>
-            </a:pPr>
-            <a:endParaRPr lang="en-US" sz="1200" dirty="0">
-              <a:solidFill>
-                <a:schemeClr val="tx1"/>
-              </a:solidFill>
-              <a:latin typeface="Calibri" panose="020F0502020204030204" pitchFamily="34" charset="0"/>
-              <a:ea typeface="Calibri" panose="020F0502020204030204" pitchFamily="34" charset="0"/>
-              <a:cs typeface="Calibri" panose="020F0502020204030204" pitchFamily="34" charset="0"/>
-            </a:endParaRPr>
-          </a:p>
-          <a:p>
-            <a:pPr marL="742950" lvl="1" indent="-171450">
-              <a:buClrTx/>
-              <a:buSzPts val="1800"/>
-            </a:pPr>
-            <a:endParaRPr lang="en-US" sz="1200" dirty="0">
-              <a:solidFill>
-                <a:schemeClr val="tx1"/>
-              </a:solidFill>
-              <a:latin typeface="Calibri" panose="020F0502020204030204" pitchFamily="34" charset="0"/>
-              <a:ea typeface="Calibri" panose="020F0502020204030204" pitchFamily="34" charset="0"/>
-              <a:cs typeface="Calibri" panose="020F0502020204030204" pitchFamily="34" charset="0"/>
-            </a:endParaRPr>
-          </a:p>
-          <a:p>
-            <a:pPr lvl="1" indent="-342900">
-              <a:buClrTx/>
-              <a:buSzPts val="1800"/>
-              <a:buAutoNum type="arabicPeriod"/>
-            </a:pPr>
-            <a:endParaRPr lang="en-US" sz="1200" dirty="0">
-              <a:solidFill>
-                <a:schemeClr val="tx1"/>
-              </a:solidFill>
-              <a:latin typeface="Calibri" panose="020F0502020204030204" pitchFamily="34" charset="0"/>
-              <a:ea typeface="Calibri" panose="020F0502020204030204" pitchFamily="34" charset="0"/>
-              <a:cs typeface="Calibri" panose="020F0502020204030204" pitchFamily="34" charset="0"/>
-            </a:endParaRPr>
-          </a:p>
-          <a:p>
-            <a:pPr lvl="1" indent="-342900">
-              <a:buClrTx/>
-              <a:buSzPts val="1800"/>
-              <a:buAutoNum type="arabicPeriod"/>
-            </a:pPr>
-            <a:endParaRPr lang="en-IN" sz="1200" dirty="0">
-              <a:solidFill>
-                <a:schemeClr val="tx1"/>
-              </a:solidFill>
-              <a:latin typeface="Calibri" panose="020F0502020204030204" pitchFamily="34" charset="0"/>
-              <a:ea typeface="Calibri" panose="020F0502020204030204" pitchFamily="34" charset="0"/>
-              <a:cs typeface="Calibri" panose="020F0502020204030204" pitchFamily="34" charset="0"/>
-            </a:endParaRPr>
-          </a:p>
-        </p:txBody>
-      </p:sp>
-      <p:sp>
-        <p:nvSpPr>
-          <p:cNvPr id="2" name="Slide Number Placeholder 1">
-            <a:extLst>
-              <a:ext uri="{FF2B5EF4-FFF2-40B4-BE49-F238E27FC236}">
-                <a16:creationId xmlns:a16="http://schemas.microsoft.com/office/drawing/2014/main" id="{555257E2-FDDB-71A8-1C52-B43F0D4DDF9A}"/>
-              </a:ext>
-            </a:extLst>
-          </p:cNvPr>
-          <p:cNvSpPr>
-            <a:spLocks noGrp="1"/>
-          </p:cNvSpPr>
-          <p:nvPr>
-            <p:ph type="sldNum" idx="12"/>
-          </p:nvPr>
-        </p:nvSpPr>
-        <p:spPr/>
-        <p:txBody>
-          <a:bodyPr/>
-          <a:lstStyle/>
-          <a:p>
-            <a:pPr marL="0" lvl="0" indent="0" algn="r" rtl="0">
-              <a:spcBef>
-                <a:spcPts val="0"/>
-              </a:spcBef>
-              <a:spcAft>
-                <a:spcPts val="0"/>
-              </a:spcAft>
-              <a:buNone/>
-            </a:pPr>
-            <a:fld id="{00000000-1234-1234-1234-123412341234}" type="slidenum">
-              <a:rPr lang="en" smtClean="0"/>
-              <a:t>9</a:t>
-            </a:fld>
-            <a:endParaRPr lang="en"/>
-          </a:p>
-        </p:txBody>
-      </p:sp>
-    </p:spTree>
-    <p:extLst>
-      <p:ext uri="{BB962C8B-B14F-4D97-AF65-F5344CB8AC3E}">
-        <p14:creationId xmlns:p14="http://schemas.microsoft.com/office/powerpoint/2010/main" val="528789770"/>
-      </p:ext>
-    </p:extLst>
   </p:cSld>
   <p:clrMapOvr>
     <a:masterClrMapping/>
